--- a/Programming from zero to hero.pptx
+++ b/Programming from zero to hero.pptx
@@ -433,7 +433,7 @@
             <a:fld id="{08B9EBBA-996F-894A-B54A-D6246ED52CEA}" type="datetimeFigureOut">
               <a:rPr lang="en-US" dirty="0"/>
               <a:pPr/>
-              <a:t>7/2/2022</a:t>
+              <a:t>7/3/2022</a:t>
             </a:fld>
             <a:endParaRPr lang="en-US" dirty="0"/>
           </a:p>
@@ -748,7 +748,7 @@
             <a:fld id="{18C79C5D-2A6F-F04D-97DA-BEF2467B64E4}" type="datetimeFigureOut">
               <a:rPr lang="en-US" dirty="0"/>
               <a:pPr/>
-              <a:t>7/2/2022</a:t>
+              <a:t>7/3/2022</a:t>
             </a:fld>
             <a:endParaRPr lang="en-US" dirty="0"/>
           </a:p>
@@ -1233,7 +1233,7 @@
             <a:fld id="{8DFA1846-DA80-1C48-A609-854EA85C59AD}" type="datetimeFigureOut">
               <a:rPr lang="en-US" dirty="0"/>
               <a:pPr/>
-              <a:t>7/2/2022</a:t>
+              <a:t>7/3/2022</a:t>
             </a:fld>
             <a:endParaRPr lang="en-US" dirty="0"/>
           </a:p>
@@ -1599,7 +1599,7 @@
             <a:fld id="{FBF54567-0DE4-3F47-BF90-CB84690072F9}" type="datetimeFigureOut">
               <a:rPr lang="en-US" dirty="0"/>
               <a:pPr/>
-              <a:t>7/2/2022</a:t>
+              <a:t>7/3/2022</a:t>
             </a:fld>
             <a:endParaRPr lang="en-US" dirty="0"/>
           </a:p>
@@ -1869,7 +1869,7 @@
             <a:fld id="{C6C52C72-DE31-F449-A4ED-4C594FD91407}" type="datetimeFigureOut">
               <a:rPr lang="en-US" dirty="0"/>
               <a:pPr/>
-              <a:t>7/2/2022</a:t>
+              <a:t>7/3/2022</a:t>
             </a:fld>
             <a:endParaRPr lang="en-US" dirty="0"/>
           </a:p>
@@ -2151,7 +2151,7 @@
             <a:fld id="{ED62726E-379B-B349-9EED-81ED093FA806}" type="datetimeFigureOut">
               <a:rPr lang="en-US" dirty="0"/>
               <a:pPr/>
-              <a:t>7/2/2022</a:t>
+              <a:t>7/3/2022</a:t>
             </a:fld>
             <a:endParaRPr lang="en-US" dirty="0"/>
           </a:p>
@@ -2469,7 +2469,7 @@
             <a:fld id="{9B3A1323-8D79-1946-B0D7-40001CF92E9D}" type="datetimeFigureOut">
               <a:rPr lang="en-US" dirty="0"/>
               <a:pPr/>
-              <a:t>7/2/2022</a:t>
+              <a:t>7/3/2022</a:t>
             </a:fld>
             <a:endParaRPr lang="en-US" dirty="0"/>
           </a:p>
@@ -2809,7 +2809,7 @@
             <a:fld id="{8DFA1846-DA80-1C48-A609-854EA85C59AD}" type="datetimeFigureOut">
               <a:rPr lang="en-US" dirty="0"/>
               <a:pPr/>
-              <a:t>7/2/2022</a:t>
+              <a:t>7/3/2022</a:t>
             </a:fld>
             <a:endParaRPr lang="en-US" dirty="0"/>
           </a:p>
@@ -3145,7 +3145,7 @@
             <a:fld id="{57302355-E14B-8545-A8F8-0FE83CC9D524}" type="datetimeFigureOut">
               <a:rPr lang="en-US" dirty="0"/>
               <a:pPr/>
-              <a:t>7/2/2022</a:t>
+              <a:t>7/3/2022</a:t>
             </a:fld>
             <a:endParaRPr lang="en-US" dirty="0"/>
           </a:p>
@@ -3619,7 +3619,7 @@
             <a:fld id="{02640F58-564D-2B4F-AE67-E407BA4FCF45}" type="datetimeFigureOut">
               <a:rPr lang="en-US" dirty="0"/>
               <a:pPr/>
-              <a:t>7/2/2022</a:t>
+              <a:t>7/3/2022</a:t>
             </a:fld>
             <a:endParaRPr lang="en-US" dirty="0"/>
           </a:p>
@@ -3837,7 +3837,7 @@
             <a:fld id="{F13A34C8-038E-2045-AF43-DF7DBB8E0E9E}" type="datetimeFigureOut">
               <a:rPr lang="en-US" dirty="0"/>
               <a:pPr/>
-              <a:t>7/2/2022</a:t>
+              <a:t>7/3/2022</a:t>
             </a:fld>
             <a:endParaRPr lang="en-US" dirty="0"/>
           </a:p>
@@ -3929,7 +3929,7 @@
             <a:fld id="{8818C68F-D26B-8F47-958C-23B49CF8A634}" type="datetimeFigureOut">
               <a:rPr lang="en-US" dirty="0"/>
               <a:pPr/>
-              <a:t>7/2/2022</a:t>
+              <a:t>7/3/2022</a:t>
             </a:fld>
             <a:endParaRPr lang="en-US" dirty="0"/>
           </a:p>
@@ -4393,7 +4393,7 @@
             <a:fld id="{D0DF5E60-9974-AC48-9591-99C2BB44B7CF}" type="datetimeFigureOut">
               <a:rPr lang="en-US" dirty="0"/>
               <a:pPr/>
-              <a:t>7/2/2022</a:t>
+              <a:t>7/3/2022</a:t>
             </a:fld>
             <a:endParaRPr lang="en-US" dirty="0"/>
           </a:p>
@@ -4703,7 +4703,7 @@
             <a:fld id="{18C79C5D-2A6F-F04D-97DA-BEF2467B64E4}" type="datetimeFigureOut">
               <a:rPr lang="en-US" dirty="0"/>
               <a:pPr/>
-              <a:t>7/2/2022</a:t>
+              <a:t>7/3/2022</a:t>
             </a:fld>
             <a:endParaRPr lang="en-US" dirty="0"/>
           </a:p>
@@ -4970,7 +4970,7 @@
             <a:fld id="{09B482E8-6E0E-1B4F-B1FD-C69DB9E858D9}" type="datetimeFigureOut">
               <a:rPr lang="en-US" dirty="0"/>
               <a:pPr/>
-              <a:t>7/2/2022</a:t>
+              <a:t>7/3/2022</a:t>
             </a:fld>
             <a:endParaRPr lang="en-US" dirty="0"/>
           </a:p>
@@ -6024,10 +6024,10 @@
       </p:sp>
       <p:pic>
         <p:nvPicPr>
-          <p:cNvPr id="9" name="Picture 8">
+          <p:cNvPr id="4" name="Picture 3">
             <a:extLst>
               <a:ext uri="{FF2B5EF4-FFF2-40B4-BE49-F238E27FC236}">
-                <a16:creationId xmlns:a16="http://schemas.microsoft.com/office/drawing/2014/main" id="{C9B29AEC-28A8-3916-8A11-6EC13063B1C6}"/>
+                <a16:creationId xmlns:a16="http://schemas.microsoft.com/office/drawing/2014/main" id="{485551A3-E991-D61F-1073-3C040DF1D56D}"/>
               </a:ext>
             </a:extLst>
           </p:cNvPr>
@@ -6044,8 +6044,8 @@
         </p:blipFill>
         <p:spPr>
           <a:xfrm>
-            <a:off x="1654619" y="2227404"/>
-            <a:ext cx="8882761" cy="4350740"/>
+            <a:off x="2119746" y="2551482"/>
+            <a:ext cx="7952507" cy="4055656"/>
           </a:xfrm>
           <a:prstGeom prst="rect">
             <a:avLst/>

--- a/Programming from zero to hero.pptx
+++ b/Programming from zero to hero.pptx
@@ -18,6 +18,10 @@
     <p:sldId id="266" r:id="rId12"/>
     <p:sldId id="267" r:id="rId13"/>
     <p:sldId id="268" r:id="rId14"/>
+    <p:sldId id="269" r:id="rId15"/>
+    <p:sldId id="270" r:id="rId16"/>
+    <p:sldId id="271" r:id="rId17"/>
+    <p:sldId id="272" r:id="rId18"/>
   </p:sldIdLst>
   <p:sldSz cx="12192000" cy="6858000"/>
   <p:notesSz cx="6858000" cy="9144000"/>
@@ -134,6 +138,10 @@
             <p14:sldId id="266"/>
             <p14:sldId id="267"/>
             <p14:sldId id="268"/>
+            <p14:sldId id="269"/>
+            <p14:sldId id="270"/>
+            <p14:sldId id="271"/>
+            <p14:sldId id="272"/>
           </p14:sldIdLst>
         </p14:section>
       </p14:sectionLst>
@@ -6065,6 +6073,359 @@
 </p:sld>
 </file>
 
+<file path=ppt/slides/slide14.xml><?xml version="1.0" encoding="utf-8"?>
+<p:sld xmlns:a="http://schemas.openxmlformats.org/drawingml/2006/main" xmlns:r="http://schemas.openxmlformats.org/officeDocument/2006/relationships" xmlns:p="http://schemas.openxmlformats.org/presentationml/2006/main">
+  <p:cSld>
+    <p:spTree>
+      <p:nvGrpSpPr>
+        <p:cNvPr id="1" name=""/>
+        <p:cNvGrpSpPr/>
+        <p:nvPr/>
+      </p:nvGrpSpPr>
+      <p:grpSpPr>
+        <a:xfrm>
+          <a:off x="0" y="0"/>
+          <a:ext cx="0" cy="0"/>
+          <a:chOff x="0" y="0"/>
+          <a:chExt cx="0" cy="0"/>
+        </a:xfrm>
+      </p:grpSpPr>
+      <p:sp>
+        <p:nvSpPr>
+          <p:cNvPr id="2" name="Title 1">
+            <a:extLst>
+              <a:ext uri="{FF2B5EF4-FFF2-40B4-BE49-F238E27FC236}">
+                <a16:creationId xmlns:a16="http://schemas.microsoft.com/office/drawing/2014/main" id="{FB465A24-8B4D-8E2D-F063-B9F241296D8B}"/>
+              </a:ext>
+            </a:extLst>
+          </p:cNvPr>
+          <p:cNvSpPr>
+            <a:spLocks noGrp="1"/>
+          </p:cNvSpPr>
+          <p:nvPr>
+            <p:ph type="title"/>
+          </p:nvPr>
+        </p:nvSpPr>
+        <p:spPr/>
+        <p:txBody>
+          <a:bodyPr/>
+          <a:lstStyle/>
+          <a:p>
+            <a:r>
+              <a:rPr lang="en-US" dirty="0"/>
+              <a:t>How to install python?</a:t>
+            </a:r>
+          </a:p>
+        </p:txBody>
+      </p:sp>
+      <p:pic>
+        <p:nvPicPr>
+          <p:cNvPr id="5" name="Picture 4">
+            <a:extLst>
+              <a:ext uri="{FF2B5EF4-FFF2-40B4-BE49-F238E27FC236}">
+                <a16:creationId xmlns:a16="http://schemas.microsoft.com/office/drawing/2014/main" id="{DFA43CB2-3752-5AC6-56A3-479742F8D137}"/>
+              </a:ext>
+            </a:extLst>
+          </p:cNvPr>
+          <p:cNvPicPr>
+            <a:picLocks noChangeAspect="1"/>
+          </p:cNvPicPr>
+          <p:nvPr/>
+        </p:nvPicPr>
+        <p:blipFill>
+          <a:blip r:embed="rId2"/>
+          <a:stretch>
+            <a:fillRect/>
+          </a:stretch>
+        </p:blipFill>
+        <p:spPr>
+          <a:xfrm>
+            <a:off x="1981199" y="2222287"/>
+            <a:ext cx="8229600" cy="4363403"/>
+          </a:xfrm>
+          <a:prstGeom prst="rect">
+            <a:avLst/>
+          </a:prstGeom>
+        </p:spPr>
+      </p:pic>
+    </p:spTree>
+    <p:extLst>
+      <p:ext uri="{BB962C8B-B14F-4D97-AF65-F5344CB8AC3E}">
+        <p14:creationId xmlns:p14="http://schemas.microsoft.com/office/powerpoint/2010/main" val="4090547699"/>
+      </p:ext>
+    </p:extLst>
+  </p:cSld>
+  <p:clrMapOvr>
+    <a:masterClrMapping/>
+  </p:clrMapOvr>
+</p:sld>
+</file>
+
+<file path=ppt/slides/slide15.xml><?xml version="1.0" encoding="utf-8"?>
+<p:sld xmlns:a="http://schemas.openxmlformats.org/drawingml/2006/main" xmlns:r="http://schemas.openxmlformats.org/officeDocument/2006/relationships" xmlns:p="http://schemas.openxmlformats.org/presentationml/2006/main">
+  <p:cSld>
+    <p:spTree>
+      <p:nvGrpSpPr>
+        <p:cNvPr id="1" name=""/>
+        <p:cNvGrpSpPr/>
+        <p:nvPr/>
+      </p:nvGrpSpPr>
+      <p:grpSpPr>
+        <a:xfrm>
+          <a:off x="0" y="0"/>
+          <a:ext cx="0" cy="0"/>
+          <a:chOff x="0" y="0"/>
+          <a:chExt cx="0" cy="0"/>
+        </a:xfrm>
+      </p:grpSpPr>
+      <p:sp>
+        <p:nvSpPr>
+          <p:cNvPr id="2" name="Title 1">
+            <a:extLst>
+              <a:ext uri="{FF2B5EF4-FFF2-40B4-BE49-F238E27FC236}">
+                <a16:creationId xmlns:a16="http://schemas.microsoft.com/office/drawing/2014/main" id="{DAA8907A-3EAB-CFC8-3070-6C4C5D1C18F0}"/>
+              </a:ext>
+            </a:extLst>
+          </p:cNvPr>
+          <p:cNvSpPr>
+            <a:spLocks noGrp="1"/>
+          </p:cNvSpPr>
+          <p:nvPr>
+            <p:ph type="title"/>
+          </p:nvPr>
+        </p:nvSpPr>
+        <p:spPr/>
+        <p:txBody>
+          <a:bodyPr/>
+          <a:lstStyle/>
+          <a:p>
+            <a:r>
+              <a:rPr lang="en-US" dirty="0"/>
+              <a:t>How to install python?</a:t>
+            </a:r>
+          </a:p>
+        </p:txBody>
+      </p:sp>
+      <p:pic>
+        <p:nvPicPr>
+          <p:cNvPr id="5" name="Picture 4">
+            <a:extLst>
+              <a:ext uri="{FF2B5EF4-FFF2-40B4-BE49-F238E27FC236}">
+                <a16:creationId xmlns:a16="http://schemas.microsoft.com/office/drawing/2014/main" id="{E16CFC82-ADC8-8AEA-2008-17E3CB7E43A0}"/>
+              </a:ext>
+            </a:extLst>
+          </p:cNvPr>
+          <p:cNvPicPr>
+            <a:picLocks noChangeAspect="1"/>
+          </p:cNvPicPr>
+          <p:nvPr/>
+        </p:nvPicPr>
+        <p:blipFill>
+          <a:blip r:embed="rId2"/>
+          <a:stretch>
+            <a:fillRect/>
+          </a:stretch>
+        </p:blipFill>
+        <p:spPr>
+          <a:xfrm>
+            <a:off x="2524125" y="2301262"/>
+            <a:ext cx="7143749" cy="4434646"/>
+          </a:xfrm>
+          <a:prstGeom prst="rect">
+            <a:avLst/>
+          </a:prstGeom>
+        </p:spPr>
+      </p:pic>
+    </p:spTree>
+    <p:extLst>
+      <p:ext uri="{BB962C8B-B14F-4D97-AF65-F5344CB8AC3E}">
+        <p14:creationId xmlns:p14="http://schemas.microsoft.com/office/powerpoint/2010/main" val="2608295096"/>
+      </p:ext>
+    </p:extLst>
+  </p:cSld>
+  <p:clrMapOvr>
+    <a:masterClrMapping/>
+  </p:clrMapOvr>
+</p:sld>
+</file>
+
+<file path=ppt/slides/slide16.xml><?xml version="1.0" encoding="utf-8"?>
+<p:sld xmlns:a="http://schemas.openxmlformats.org/drawingml/2006/main" xmlns:r="http://schemas.openxmlformats.org/officeDocument/2006/relationships" xmlns:p="http://schemas.openxmlformats.org/presentationml/2006/main">
+  <p:cSld>
+    <p:spTree>
+      <p:nvGrpSpPr>
+        <p:cNvPr id="1" name=""/>
+        <p:cNvGrpSpPr/>
+        <p:nvPr/>
+      </p:nvGrpSpPr>
+      <p:grpSpPr>
+        <a:xfrm>
+          <a:off x="0" y="0"/>
+          <a:ext cx="0" cy="0"/>
+          <a:chOff x="0" y="0"/>
+          <a:chExt cx="0" cy="0"/>
+        </a:xfrm>
+      </p:grpSpPr>
+      <p:sp>
+        <p:nvSpPr>
+          <p:cNvPr id="2" name="Title 1">
+            <a:extLst>
+              <a:ext uri="{FF2B5EF4-FFF2-40B4-BE49-F238E27FC236}">
+                <a16:creationId xmlns:a16="http://schemas.microsoft.com/office/drawing/2014/main" id="{DAA8907A-3EAB-CFC8-3070-6C4C5D1C18F0}"/>
+              </a:ext>
+            </a:extLst>
+          </p:cNvPr>
+          <p:cNvSpPr>
+            <a:spLocks noGrp="1"/>
+          </p:cNvSpPr>
+          <p:nvPr>
+            <p:ph type="title"/>
+          </p:nvPr>
+        </p:nvSpPr>
+        <p:spPr/>
+        <p:txBody>
+          <a:bodyPr/>
+          <a:lstStyle/>
+          <a:p>
+            <a:r>
+              <a:rPr lang="en-US" dirty="0"/>
+              <a:t>How to install python?</a:t>
+            </a:r>
+          </a:p>
+        </p:txBody>
+      </p:sp>
+      <p:pic>
+        <p:nvPicPr>
+          <p:cNvPr id="4" name="Picture 3">
+            <a:extLst>
+              <a:ext uri="{FF2B5EF4-FFF2-40B4-BE49-F238E27FC236}">
+                <a16:creationId xmlns:a16="http://schemas.microsoft.com/office/drawing/2014/main" id="{F8EA2278-2401-8765-EA17-33DBAF24C054}"/>
+              </a:ext>
+            </a:extLst>
+          </p:cNvPr>
+          <p:cNvPicPr>
+            <a:picLocks noChangeAspect="1"/>
+          </p:cNvPicPr>
+          <p:nvPr/>
+        </p:nvPicPr>
+        <p:blipFill>
+          <a:blip r:embed="rId2"/>
+          <a:stretch>
+            <a:fillRect/>
+          </a:stretch>
+        </p:blipFill>
+        <p:spPr>
+          <a:xfrm>
+            <a:off x="3350623" y="2036618"/>
+            <a:ext cx="5490753" cy="4530436"/>
+          </a:xfrm>
+          <a:prstGeom prst="rect">
+            <a:avLst/>
+          </a:prstGeom>
+        </p:spPr>
+      </p:pic>
+    </p:spTree>
+    <p:extLst>
+      <p:ext uri="{BB962C8B-B14F-4D97-AF65-F5344CB8AC3E}">
+        <p14:creationId xmlns:p14="http://schemas.microsoft.com/office/powerpoint/2010/main" val="1216321512"/>
+      </p:ext>
+    </p:extLst>
+  </p:cSld>
+  <p:clrMapOvr>
+    <a:masterClrMapping/>
+  </p:clrMapOvr>
+</p:sld>
+</file>
+
+<file path=ppt/slides/slide17.xml><?xml version="1.0" encoding="utf-8"?>
+<p:sld xmlns:a="http://schemas.openxmlformats.org/drawingml/2006/main" xmlns:r="http://schemas.openxmlformats.org/officeDocument/2006/relationships" xmlns:p="http://schemas.openxmlformats.org/presentationml/2006/main">
+  <p:cSld>
+    <p:spTree>
+      <p:nvGrpSpPr>
+        <p:cNvPr id="1" name=""/>
+        <p:cNvGrpSpPr/>
+        <p:nvPr/>
+      </p:nvGrpSpPr>
+      <p:grpSpPr>
+        <a:xfrm>
+          <a:off x="0" y="0"/>
+          <a:ext cx="0" cy="0"/>
+          <a:chOff x="0" y="0"/>
+          <a:chExt cx="0" cy="0"/>
+        </a:xfrm>
+      </p:grpSpPr>
+      <p:sp>
+        <p:nvSpPr>
+          <p:cNvPr id="2" name="Title 1">
+            <a:extLst>
+              <a:ext uri="{FF2B5EF4-FFF2-40B4-BE49-F238E27FC236}">
+                <a16:creationId xmlns:a16="http://schemas.microsoft.com/office/drawing/2014/main" id="{6D44D733-A014-B974-02C0-BCA9A36F972C}"/>
+              </a:ext>
+            </a:extLst>
+          </p:cNvPr>
+          <p:cNvSpPr>
+            <a:spLocks noGrp="1"/>
+          </p:cNvSpPr>
+          <p:nvPr>
+            <p:ph type="title"/>
+          </p:nvPr>
+        </p:nvSpPr>
+        <p:spPr/>
+        <p:txBody>
+          <a:bodyPr/>
+          <a:lstStyle/>
+          <a:p>
+            <a:r>
+              <a:rPr lang="en-US"/>
+              <a:t>Python first program</a:t>
+            </a:r>
+            <a:endParaRPr lang="en-US" dirty="0"/>
+          </a:p>
+        </p:txBody>
+      </p:sp>
+      <p:pic>
+        <p:nvPicPr>
+          <p:cNvPr id="5" name="Picture 4">
+            <a:extLst>
+              <a:ext uri="{FF2B5EF4-FFF2-40B4-BE49-F238E27FC236}">
+                <a16:creationId xmlns:a16="http://schemas.microsoft.com/office/drawing/2014/main" id="{DA4F1636-8324-2571-D32F-E3AFEB4E911A}"/>
+              </a:ext>
+            </a:extLst>
+          </p:cNvPr>
+          <p:cNvPicPr>
+            <a:picLocks noChangeAspect="1"/>
+          </p:cNvPicPr>
+          <p:nvPr/>
+        </p:nvPicPr>
+        <p:blipFill>
+          <a:blip r:embed="rId2"/>
+          <a:stretch>
+            <a:fillRect/>
+          </a:stretch>
+        </p:blipFill>
+        <p:spPr>
+          <a:xfrm>
+            <a:off x="2633229" y="2410500"/>
+            <a:ext cx="6925541" cy="4000312"/>
+          </a:xfrm>
+          <a:prstGeom prst="rect">
+            <a:avLst/>
+          </a:prstGeom>
+        </p:spPr>
+      </p:pic>
+    </p:spTree>
+    <p:extLst>
+      <p:ext uri="{BB962C8B-B14F-4D97-AF65-F5344CB8AC3E}">
+        <p14:creationId xmlns:p14="http://schemas.microsoft.com/office/powerpoint/2010/main" val="479372421"/>
+      </p:ext>
+    </p:extLst>
+  </p:cSld>
+  <p:clrMapOvr>
+    <a:masterClrMapping/>
+  </p:clrMapOvr>
+</p:sld>
+</file>
+
 <file path=ppt/slides/slide2.xml><?xml version="1.0" encoding="utf-8"?>
 <p:sld xmlns:a="http://schemas.openxmlformats.org/drawingml/2006/main" xmlns:r="http://schemas.openxmlformats.org/officeDocument/2006/relationships" xmlns:p="http://schemas.openxmlformats.org/presentationml/2006/main">
   <p:cSld>

--- a/Programming from zero to hero.pptx
+++ b/Programming from zero to hero.pptx
@@ -40,6 +40,8 @@
     <p:sldId id="289" r:id="rId34"/>
     <p:sldId id="290" r:id="rId35"/>
     <p:sldId id="291" r:id="rId36"/>
+    <p:sldId id="292" r:id="rId37"/>
+    <p:sldId id="293" r:id="rId38"/>
   </p:sldIdLst>
   <p:sldSz cx="12192000" cy="6858000"/>
   <p:notesSz cx="6858000" cy="9144000"/>
@@ -178,6 +180,8 @@
             <p14:sldId id="289"/>
             <p14:sldId id="290"/>
             <p14:sldId id="291"/>
+            <p14:sldId id="292"/>
+            <p14:sldId id="293"/>
           </p14:sldIdLst>
         </p14:section>
       </p14:sectionLst>
@@ -284,7 +288,7 @@
           <a:effectLst/>
           <a:extLst>
             <a:ext uri="{91240B29-F687-4f45-9708-019B960494DF}">
-              <a14:hiddenLine xmlns:a14="http://schemas.microsoft.com/office/drawing/2010/main" xmlns="" w="9525">
+              <a14:hiddenLine xmlns="" xmlns:a14="http://schemas.microsoft.com/office/drawing/2010/main" w="9525">
                 <a:solidFill>
                   <a:srgbClr val="000000"/>
                 </a:solidFill>
@@ -1794,7 +1798,7 @@
           <a:ln/>
           <a:extLst>
             <a:ext uri="{91240B29-F687-4f45-9708-019B960494DF}">
-              <a14:hiddenLine xmlns:a14="http://schemas.microsoft.com/office/drawing/2010/main" xmlns="" w="9525">
+              <a14:hiddenLine xmlns="" xmlns:a14="http://schemas.microsoft.com/office/drawing/2010/main" w="9525">
                 <a:solidFill>
                   <a:srgbClr val="000000"/>
                 </a:solidFill>
@@ -2066,7 +2070,7 @@
           <a:ln/>
           <a:extLst>
             <a:ext uri="{91240B29-F687-4f45-9708-019B960494DF}">
-              <a14:hiddenLine xmlns:a14="http://schemas.microsoft.com/office/drawing/2010/main" xmlns="" w="9525">
+              <a14:hiddenLine xmlns="" xmlns:a14="http://schemas.microsoft.com/office/drawing/2010/main" w="9525">
                 <a:solidFill>
                   <a:srgbClr val="000000"/>
                 </a:solidFill>
@@ -2346,7 +2350,7 @@
           <a:ln/>
           <a:extLst>
             <a:ext uri="{91240B29-F687-4f45-9708-019B960494DF}">
-              <a14:hiddenLine xmlns:a14="http://schemas.microsoft.com/office/drawing/2010/main" xmlns="" w="9525">
+              <a14:hiddenLine xmlns="" xmlns:a14="http://schemas.microsoft.com/office/drawing/2010/main" w="9525">
                 <a:solidFill>
                   <a:srgbClr val="000000"/>
                 </a:solidFill>
@@ -3004,7 +3008,7 @@
           <a:ln/>
           <a:extLst>
             <a:ext uri="{91240B29-F687-4f45-9708-019B960494DF}">
-              <a14:hiddenLine xmlns:a14="http://schemas.microsoft.com/office/drawing/2010/main" xmlns="" w="9525">
+              <a14:hiddenLine xmlns="" xmlns:a14="http://schemas.microsoft.com/office/drawing/2010/main" w="9525">
                 <a:solidFill>
                   <a:srgbClr val="000000"/>
                 </a:solidFill>
@@ -3340,7 +3344,7 @@
           <a:ln/>
           <a:extLst>
             <a:ext uri="{91240B29-F687-4f45-9708-019B960494DF}">
-              <a14:hiddenLine xmlns:a14="http://schemas.microsoft.com/office/drawing/2010/main" xmlns="" w="9525">
+              <a14:hiddenLine xmlns="" xmlns:a14="http://schemas.microsoft.com/office/drawing/2010/main" w="9525">
                 <a:solidFill>
                   <a:srgbClr val="000000"/>
                 </a:solidFill>
@@ -3814,7 +3818,7 @@
           <a:ln/>
           <a:extLst>
             <a:ext uri="{91240B29-F687-4f45-9708-019B960494DF}">
-              <a14:hiddenLine xmlns:a14="http://schemas.microsoft.com/office/drawing/2010/main" xmlns="" w="9525">
+              <a14:hiddenLine xmlns="" xmlns:a14="http://schemas.microsoft.com/office/drawing/2010/main" w="9525">
                 <a:solidFill>
                   <a:srgbClr val="000000"/>
                 </a:solidFill>
@@ -4237,7 +4241,7 @@
           <a:ln/>
           <a:extLst>
             <a:ext uri="{91240B29-F687-4f45-9708-019B960494DF}">
-              <a14:hiddenLine xmlns:a14="http://schemas.microsoft.com/office/drawing/2010/main" xmlns="" w="9525">
+              <a14:hiddenLine xmlns="" xmlns:a14="http://schemas.microsoft.com/office/drawing/2010/main" w="9525">
                 <a:solidFill>
                   <a:srgbClr val="000000"/>
                 </a:solidFill>
@@ -9874,6 +9878,2043 @@
 </p:sld>
 </file>
 
+<file path=ppt/slides/slide36.xml><?xml version="1.0" encoding="utf-8"?>
+<p:sld xmlns:a="http://schemas.openxmlformats.org/drawingml/2006/main" xmlns:r="http://schemas.openxmlformats.org/officeDocument/2006/relationships" xmlns:p="http://schemas.openxmlformats.org/presentationml/2006/main">
+  <p:cSld>
+    <p:spTree>
+      <p:nvGrpSpPr>
+        <p:cNvPr id="1" name=""/>
+        <p:cNvGrpSpPr/>
+        <p:nvPr/>
+      </p:nvGrpSpPr>
+      <p:grpSpPr>
+        <a:xfrm>
+          <a:off x="0" y="0"/>
+          <a:ext cx="0" cy="0"/>
+          <a:chOff x="0" y="0"/>
+          <a:chExt cx="0" cy="0"/>
+        </a:xfrm>
+      </p:grpSpPr>
+      <p:sp>
+        <p:nvSpPr>
+          <p:cNvPr id="2" name="Title 1">
+            <a:extLst>
+              <a:ext uri="{FF2B5EF4-FFF2-40B4-BE49-F238E27FC236}">
+                <a16:creationId xmlns:a16="http://schemas.microsoft.com/office/drawing/2014/main" id="{E7F47335-B55B-0713-9E82-B6ED04681023}"/>
+              </a:ext>
+            </a:extLst>
+          </p:cNvPr>
+          <p:cNvSpPr>
+            <a:spLocks noGrp="1"/>
+          </p:cNvSpPr>
+          <p:nvPr>
+            <p:ph type="title"/>
+          </p:nvPr>
+        </p:nvSpPr>
+        <p:spPr/>
+        <p:txBody>
+          <a:bodyPr/>
+          <a:lstStyle/>
+          <a:p>
+            <a:r>
+              <a:rPr lang="en-US" dirty="0"/>
+              <a:t>Numbers</a:t>
+            </a:r>
+          </a:p>
+        </p:txBody>
+      </p:sp>
+      <p:sp>
+        <p:nvSpPr>
+          <p:cNvPr id="3" name="Content Placeholder 2">
+            <a:extLst>
+              <a:ext uri="{FF2B5EF4-FFF2-40B4-BE49-F238E27FC236}">
+                <a16:creationId xmlns:a16="http://schemas.microsoft.com/office/drawing/2014/main" id="{0836B510-3565-232F-2768-3C2A2AE052DD}"/>
+              </a:ext>
+            </a:extLst>
+          </p:cNvPr>
+          <p:cNvSpPr>
+            <a:spLocks noGrp="1"/>
+          </p:cNvSpPr>
+          <p:nvPr>
+            <p:ph idx="1"/>
+          </p:nvPr>
+        </p:nvSpPr>
+        <p:spPr>
+          <a:xfrm>
+            <a:off x="818712" y="2222287"/>
+            <a:ext cx="2104597" cy="3636511"/>
+          </a:xfrm>
+        </p:spPr>
+        <p:txBody>
+          <a:bodyPr/>
+          <a:lstStyle/>
+          <a:p>
+            <a:pPr marL="0" indent="0">
+              <a:buNone/>
+            </a:pPr>
+            <a:r>
+              <a:rPr lang="en-US" dirty="0"/>
+              <a:t>int</a:t>
+            </a:r>
+          </a:p>
+          <a:p>
+            <a:pPr>
+              <a:buFont typeface="Wingdings" panose="05000000000000000000" pitchFamily="2" charset="2"/>
+              <a:buChar char="Ø"/>
+            </a:pPr>
+            <a:r>
+              <a:rPr lang="en-US" dirty="0"/>
+              <a:t>x = 5</a:t>
+            </a:r>
+          </a:p>
+          <a:p>
+            <a:pPr marL="0" indent="0">
+              <a:buNone/>
+            </a:pPr>
+            <a:r>
+              <a:rPr lang="en-US" dirty="0"/>
+              <a:t>float</a:t>
+            </a:r>
+          </a:p>
+          <a:p>
+            <a:pPr>
+              <a:buFont typeface="Wingdings" panose="05000000000000000000" pitchFamily="2" charset="2"/>
+              <a:buChar char="Ø"/>
+            </a:pPr>
+            <a:r>
+              <a:rPr lang="en-US" dirty="0"/>
+              <a:t>x = 5.0</a:t>
+            </a:r>
+          </a:p>
+          <a:p>
+            <a:pPr>
+              <a:buFont typeface="Wingdings" panose="05000000000000000000" pitchFamily="2" charset="2"/>
+              <a:buChar char="Ø"/>
+            </a:pPr>
+            <a:r>
+              <a:rPr lang="en-US" dirty="0"/>
+              <a:t>x = 5.5</a:t>
+            </a:r>
+          </a:p>
+        </p:txBody>
+      </p:sp>
+      <p:cxnSp>
+        <p:nvCxnSpPr>
+          <p:cNvPr id="5" name="Straight Arrow Connector 4">
+            <a:extLst>
+              <a:ext uri="{FF2B5EF4-FFF2-40B4-BE49-F238E27FC236}">
+                <a16:creationId xmlns:a16="http://schemas.microsoft.com/office/drawing/2014/main" id="{E81CEC7D-A119-A0A5-FAAD-87AE1D5A5428}"/>
+              </a:ext>
+            </a:extLst>
+          </p:cNvPr>
+          <p:cNvCxnSpPr/>
+          <p:nvPr/>
+        </p:nvCxnSpPr>
+        <p:spPr>
+          <a:xfrm>
+            <a:off x="2313709" y="3546764"/>
+            <a:ext cx="1302327" cy="0"/>
+          </a:xfrm>
+          <a:prstGeom prst="straightConnector1">
+            <a:avLst/>
+          </a:prstGeom>
+          <a:ln>
+            <a:tailEnd type="triangle"/>
+          </a:ln>
+        </p:spPr>
+        <p:style>
+          <a:lnRef idx="1">
+            <a:schemeClr val="accent1"/>
+          </a:lnRef>
+          <a:fillRef idx="0">
+            <a:schemeClr val="accent1"/>
+          </a:fillRef>
+          <a:effectRef idx="0">
+            <a:schemeClr val="accent1"/>
+          </a:effectRef>
+          <a:fontRef idx="minor">
+            <a:schemeClr val="tx1"/>
+          </a:fontRef>
+        </p:style>
+      </p:cxnSp>
+      <p:cxnSp>
+        <p:nvCxnSpPr>
+          <p:cNvPr id="6" name="Straight Arrow Connector 5">
+            <a:extLst>
+              <a:ext uri="{FF2B5EF4-FFF2-40B4-BE49-F238E27FC236}">
+                <a16:creationId xmlns:a16="http://schemas.microsoft.com/office/drawing/2014/main" id="{6EEB9E7D-F74F-6018-A116-3B3313E2F73B}"/>
+              </a:ext>
+            </a:extLst>
+          </p:cNvPr>
+          <p:cNvCxnSpPr/>
+          <p:nvPr/>
+        </p:nvCxnSpPr>
+        <p:spPr>
+          <a:xfrm>
+            <a:off x="2313709" y="4572000"/>
+            <a:ext cx="1302327" cy="0"/>
+          </a:xfrm>
+          <a:prstGeom prst="straightConnector1">
+            <a:avLst/>
+          </a:prstGeom>
+          <a:ln>
+            <a:tailEnd type="triangle"/>
+          </a:ln>
+        </p:spPr>
+        <p:style>
+          <a:lnRef idx="1">
+            <a:schemeClr val="accent1"/>
+          </a:lnRef>
+          <a:fillRef idx="0">
+            <a:schemeClr val="accent1"/>
+          </a:fillRef>
+          <a:effectRef idx="0">
+            <a:schemeClr val="accent1"/>
+          </a:effectRef>
+          <a:fontRef idx="minor">
+            <a:schemeClr val="tx1"/>
+          </a:fontRef>
+        </p:style>
+      </p:cxnSp>
+      <p:cxnSp>
+        <p:nvCxnSpPr>
+          <p:cNvPr id="7" name="Straight Arrow Connector 6">
+            <a:extLst>
+              <a:ext uri="{FF2B5EF4-FFF2-40B4-BE49-F238E27FC236}">
+                <a16:creationId xmlns:a16="http://schemas.microsoft.com/office/drawing/2014/main" id="{69B1CE26-9095-2BD9-CB0A-2FCA6645FD29}"/>
+              </a:ext>
+            </a:extLst>
+          </p:cNvPr>
+          <p:cNvCxnSpPr/>
+          <p:nvPr/>
+        </p:nvCxnSpPr>
+        <p:spPr>
+          <a:xfrm>
+            <a:off x="2313709" y="5084618"/>
+            <a:ext cx="1302327" cy="0"/>
+          </a:xfrm>
+          <a:prstGeom prst="straightConnector1">
+            <a:avLst/>
+          </a:prstGeom>
+          <a:ln>
+            <a:tailEnd type="triangle"/>
+          </a:ln>
+        </p:spPr>
+        <p:style>
+          <a:lnRef idx="1">
+            <a:schemeClr val="accent1"/>
+          </a:lnRef>
+          <a:fillRef idx="0">
+            <a:schemeClr val="accent1"/>
+          </a:fillRef>
+          <a:effectRef idx="0">
+            <a:schemeClr val="accent1"/>
+          </a:effectRef>
+          <a:fontRef idx="minor">
+            <a:schemeClr val="tx1"/>
+          </a:fontRef>
+        </p:style>
+      </p:cxnSp>
+      <p:sp>
+        <p:nvSpPr>
+          <p:cNvPr id="8" name="Content Placeholder 2">
+            <a:extLst>
+              <a:ext uri="{FF2B5EF4-FFF2-40B4-BE49-F238E27FC236}">
+                <a16:creationId xmlns:a16="http://schemas.microsoft.com/office/drawing/2014/main" id="{90756FFD-4044-49FA-7C7E-1E44B39237CB}"/>
+              </a:ext>
+            </a:extLst>
+          </p:cNvPr>
+          <p:cNvSpPr txBox="1">
+            <a:spLocks/>
+          </p:cNvSpPr>
+          <p:nvPr/>
+        </p:nvSpPr>
+        <p:spPr>
+          <a:xfrm>
+            <a:off x="3839002" y="2200138"/>
+            <a:ext cx="2104597" cy="3636511"/>
+          </a:xfrm>
+          <a:prstGeom prst="rect">
+            <a:avLst/>
+          </a:prstGeom>
+          <a:effectLst>
+            <a:outerShdw blurRad="50800" dir="14400000">
+              <a:srgbClr val="000000">
+                <a:alpha val="40000"/>
+              </a:srgbClr>
+            </a:outerShdw>
+          </a:effectLst>
+        </p:spPr>
+        <p:txBody>
+          <a:bodyPr vert="horz" lIns="91440" tIns="45720" rIns="91440" bIns="45720" rtlCol="0" anchor="ctr">
+            <a:normAutofit/>
+          </a:bodyPr>
+          <a:lstStyle>
+            <a:lvl1pPr marL="342900" indent="-342900" algn="l" defTabSz="457200" rtl="0" eaLnBrk="1" latinLnBrk="0" hangingPunct="1">
+              <a:spcBef>
+                <a:spcPct val="20000"/>
+              </a:spcBef>
+              <a:spcAft>
+                <a:spcPts val="600"/>
+              </a:spcAft>
+              <a:buClr>
+                <a:schemeClr val="accent1"/>
+              </a:buClr>
+              <a:buFont typeface="Wingdings 2" charset="2"/>
+              <a:buChar char=""/>
+              <a:defRPr sz="2400" kern="1200">
+                <a:solidFill>
+                  <a:schemeClr val="tx1"/>
+                </a:solidFill>
+                <a:latin typeface="Source Sans Pro" panose="020B0503030403020204" pitchFamily="34" charset="0"/>
+                <a:ea typeface="Source Sans Pro" panose="020B0503030403020204" pitchFamily="34" charset="0"/>
+                <a:cs typeface="+mn-cs"/>
+              </a:defRPr>
+            </a:lvl1pPr>
+            <a:lvl2pPr marL="742950" indent="-285750" algn="l" defTabSz="457200" rtl="0" eaLnBrk="1" latinLnBrk="0" hangingPunct="1">
+              <a:spcBef>
+                <a:spcPct val="20000"/>
+              </a:spcBef>
+              <a:spcAft>
+                <a:spcPts val="600"/>
+              </a:spcAft>
+              <a:buClr>
+                <a:schemeClr val="accent1"/>
+              </a:buClr>
+              <a:buFont typeface="Wingdings 2" charset="2"/>
+              <a:buChar char=""/>
+              <a:defRPr sz="2000" kern="1200">
+                <a:solidFill>
+                  <a:schemeClr val="tx1"/>
+                </a:solidFill>
+                <a:latin typeface="Source Sans Pro" panose="020B0503030403020204" pitchFamily="34" charset="0"/>
+                <a:ea typeface="Source Sans Pro" panose="020B0503030403020204" pitchFamily="34" charset="0"/>
+                <a:cs typeface="+mn-cs"/>
+              </a:defRPr>
+            </a:lvl2pPr>
+            <a:lvl3pPr marL="1143000" indent="-228600" algn="l" defTabSz="457200" rtl="0" eaLnBrk="1" latinLnBrk="0" hangingPunct="1">
+              <a:spcBef>
+                <a:spcPct val="20000"/>
+              </a:spcBef>
+              <a:spcAft>
+                <a:spcPts val="600"/>
+              </a:spcAft>
+              <a:buClr>
+                <a:schemeClr val="accent1"/>
+              </a:buClr>
+              <a:buFont typeface="Wingdings 2" charset="2"/>
+              <a:buChar char=""/>
+              <a:defRPr sz="1800" kern="1200">
+                <a:solidFill>
+                  <a:schemeClr val="tx1"/>
+                </a:solidFill>
+                <a:latin typeface="Source Sans Pro" panose="020B0503030403020204" pitchFamily="34" charset="0"/>
+                <a:ea typeface="Source Sans Pro" panose="020B0503030403020204" pitchFamily="34" charset="0"/>
+                <a:cs typeface="+mn-cs"/>
+              </a:defRPr>
+            </a:lvl3pPr>
+            <a:lvl4pPr marL="1600200" indent="-228600" algn="l" defTabSz="457200" rtl="0" eaLnBrk="1" latinLnBrk="0" hangingPunct="1">
+              <a:spcBef>
+                <a:spcPct val="20000"/>
+              </a:spcBef>
+              <a:spcAft>
+                <a:spcPts val="600"/>
+              </a:spcAft>
+              <a:buClr>
+                <a:schemeClr val="accent1"/>
+              </a:buClr>
+              <a:buFont typeface="Wingdings 2" charset="2"/>
+              <a:buChar char=""/>
+              <a:defRPr sz="1600" kern="1200">
+                <a:solidFill>
+                  <a:schemeClr val="tx1"/>
+                </a:solidFill>
+                <a:latin typeface="Source Sans Pro" panose="020B0503030403020204" pitchFamily="34" charset="0"/>
+                <a:ea typeface="Source Sans Pro" panose="020B0503030403020204" pitchFamily="34" charset="0"/>
+                <a:cs typeface="+mn-cs"/>
+              </a:defRPr>
+            </a:lvl4pPr>
+            <a:lvl5pPr marL="2057400" indent="-228600" algn="l" defTabSz="457200" rtl="0" eaLnBrk="1" latinLnBrk="0" hangingPunct="1">
+              <a:spcBef>
+                <a:spcPct val="20000"/>
+              </a:spcBef>
+              <a:spcAft>
+                <a:spcPts val="600"/>
+              </a:spcAft>
+              <a:buClr>
+                <a:schemeClr val="accent1"/>
+              </a:buClr>
+              <a:buFont typeface="Wingdings 2" charset="2"/>
+              <a:buChar char=""/>
+              <a:defRPr sz="1600" kern="1200">
+                <a:solidFill>
+                  <a:schemeClr val="tx1"/>
+                </a:solidFill>
+                <a:latin typeface="Source Sans Pro" panose="020B0503030403020204" pitchFamily="34" charset="0"/>
+                <a:ea typeface="Source Sans Pro" panose="020B0503030403020204" pitchFamily="34" charset="0"/>
+                <a:cs typeface="+mn-cs"/>
+              </a:defRPr>
+            </a:lvl5pPr>
+            <a:lvl6pPr marL="2400000" indent="-228600" algn="l" defTabSz="457200" rtl="0" eaLnBrk="1" latinLnBrk="0" hangingPunct="1">
+              <a:spcBef>
+                <a:spcPct val="20000"/>
+              </a:spcBef>
+              <a:spcAft>
+                <a:spcPts val="600"/>
+              </a:spcAft>
+              <a:buClr>
+                <a:schemeClr val="accent1"/>
+              </a:buClr>
+              <a:buFont typeface="Wingdings 2" charset="2"/>
+              <a:buChar char=""/>
+              <a:defRPr sz="1200" kern="1200">
+                <a:solidFill>
+                  <a:schemeClr val="tx1"/>
+                </a:solidFill>
+                <a:latin typeface="+mn-lt"/>
+                <a:ea typeface="+mn-ea"/>
+                <a:cs typeface="+mn-cs"/>
+              </a:defRPr>
+            </a:lvl6pPr>
+            <a:lvl7pPr marL="2800000" indent="-228600" algn="l" defTabSz="457200" rtl="0" eaLnBrk="1" latinLnBrk="0" hangingPunct="1">
+              <a:spcBef>
+                <a:spcPct val="20000"/>
+              </a:spcBef>
+              <a:spcAft>
+                <a:spcPts val="600"/>
+              </a:spcAft>
+              <a:buClr>
+                <a:schemeClr val="accent1"/>
+              </a:buClr>
+              <a:buFont typeface="Wingdings 2" charset="2"/>
+              <a:buChar char=""/>
+              <a:defRPr sz="1200" kern="1200">
+                <a:solidFill>
+                  <a:schemeClr val="tx1"/>
+                </a:solidFill>
+                <a:latin typeface="+mn-lt"/>
+                <a:ea typeface="+mn-ea"/>
+                <a:cs typeface="+mn-cs"/>
+              </a:defRPr>
+            </a:lvl7pPr>
+            <a:lvl8pPr marL="3200000" indent="-228600" algn="l" defTabSz="457200" rtl="0" eaLnBrk="1" latinLnBrk="0" hangingPunct="1">
+              <a:spcBef>
+                <a:spcPct val="20000"/>
+              </a:spcBef>
+              <a:spcAft>
+                <a:spcPts val="600"/>
+              </a:spcAft>
+              <a:buClr>
+                <a:schemeClr val="accent1"/>
+              </a:buClr>
+              <a:buFont typeface="Wingdings 2" charset="2"/>
+              <a:buChar char=""/>
+              <a:defRPr sz="1200" kern="1200">
+                <a:solidFill>
+                  <a:schemeClr val="tx1"/>
+                </a:solidFill>
+                <a:latin typeface="+mn-lt"/>
+                <a:ea typeface="+mn-ea"/>
+                <a:cs typeface="+mn-cs"/>
+              </a:defRPr>
+            </a:lvl8pPr>
+            <a:lvl9pPr marL="3600000" indent="-228600" algn="l" defTabSz="457200" rtl="0" eaLnBrk="1" latinLnBrk="0" hangingPunct="1">
+              <a:spcBef>
+                <a:spcPct val="20000"/>
+              </a:spcBef>
+              <a:spcAft>
+                <a:spcPts val="600"/>
+              </a:spcAft>
+              <a:buClr>
+                <a:schemeClr val="accent1"/>
+              </a:buClr>
+              <a:buFont typeface="Wingdings 2" charset="2"/>
+              <a:buChar char=""/>
+              <a:defRPr sz="1200" kern="1200">
+                <a:solidFill>
+                  <a:schemeClr val="tx1"/>
+                </a:solidFill>
+                <a:latin typeface="+mn-lt"/>
+                <a:ea typeface="+mn-ea"/>
+                <a:cs typeface="+mn-cs"/>
+              </a:defRPr>
+            </a:lvl9pPr>
+          </a:lstStyle>
+          <a:p>
+            <a:pPr marL="0" indent="0">
+              <a:buNone/>
+            </a:pPr>
+            <a:endParaRPr lang="en-US" dirty="0"/>
+          </a:p>
+          <a:p>
+            <a:pPr marL="0" indent="0">
+              <a:buNone/>
+            </a:pPr>
+            <a:r>
+              <a:rPr lang="en-US" dirty="0"/>
+              <a:t>float(x) </a:t>
+            </a:r>
+            <a:r>
+              <a:rPr lang="en-US" dirty="0">
+                <a:solidFill>
+                  <a:schemeClr val="bg2">
+                    <a:lumMod val="50000"/>
+                    <a:lumOff val="50000"/>
+                  </a:schemeClr>
+                </a:solidFill>
+              </a:rPr>
+              <a:t># 5.0</a:t>
+            </a:r>
+          </a:p>
+          <a:p>
+            <a:pPr marL="0" indent="0">
+              <a:buNone/>
+            </a:pPr>
+            <a:endParaRPr lang="en-US" dirty="0"/>
+          </a:p>
+          <a:p>
+            <a:pPr marL="0" indent="0">
+              <a:buNone/>
+            </a:pPr>
+            <a:endParaRPr lang="en-US" dirty="0"/>
+          </a:p>
+          <a:p>
+            <a:pPr marL="0" indent="0">
+              <a:buNone/>
+            </a:pPr>
+            <a:endParaRPr lang="en-US" dirty="0"/>
+          </a:p>
+        </p:txBody>
+      </p:sp>
+      <p:sp>
+        <p:nvSpPr>
+          <p:cNvPr id="9" name="Content Placeholder 2">
+            <a:extLst>
+              <a:ext uri="{FF2B5EF4-FFF2-40B4-BE49-F238E27FC236}">
+                <a16:creationId xmlns:a16="http://schemas.microsoft.com/office/drawing/2014/main" id="{08DA8112-54B8-883F-2397-3AD958E92B41}"/>
+              </a:ext>
+            </a:extLst>
+          </p:cNvPr>
+          <p:cNvSpPr txBox="1">
+            <a:spLocks/>
+          </p:cNvSpPr>
+          <p:nvPr/>
+        </p:nvSpPr>
+        <p:spPr>
+          <a:xfrm>
+            <a:off x="3852859" y="4746571"/>
+            <a:ext cx="2104597" cy="676094"/>
+          </a:xfrm>
+          <a:prstGeom prst="rect">
+            <a:avLst/>
+          </a:prstGeom>
+          <a:effectLst>
+            <a:outerShdw blurRad="50800" dir="14400000">
+              <a:srgbClr val="000000">
+                <a:alpha val="40000"/>
+              </a:srgbClr>
+            </a:outerShdw>
+          </a:effectLst>
+        </p:spPr>
+        <p:txBody>
+          <a:bodyPr vert="horz" lIns="91440" tIns="45720" rIns="91440" bIns="45720" rtlCol="0" anchor="ctr">
+            <a:normAutofit/>
+          </a:bodyPr>
+          <a:lstStyle>
+            <a:lvl1pPr marL="342900" indent="-342900" algn="l" defTabSz="457200" rtl="0" eaLnBrk="1" latinLnBrk="0" hangingPunct="1">
+              <a:spcBef>
+                <a:spcPct val="20000"/>
+              </a:spcBef>
+              <a:spcAft>
+                <a:spcPts val="600"/>
+              </a:spcAft>
+              <a:buClr>
+                <a:schemeClr val="accent1"/>
+              </a:buClr>
+              <a:buFont typeface="Wingdings 2" charset="2"/>
+              <a:buChar char=""/>
+              <a:defRPr sz="2400" kern="1200">
+                <a:solidFill>
+                  <a:schemeClr val="tx1"/>
+                </a:solidFill>
+                <a:latin typeface="Source Sans Pro" panose="020B0503030403020204" pitchFamily="34" charset="0"/>
+                <a:ea typeface="Source Sans Pro" panose="020B0503030403020204" pitchFamily="34" charset="0"/>
+                <a:cs typeface="+mn-cs"/>
+              </a:defRPr>
+            </a:lvl1pPr>
+            <a:lvl2pPr marL="742950" indent="-285750" algn="l" defTabSz="457200" rtl="0" eaLnBrk="1" latinLnBrk="0" hangingPunct="1">
+              <a:spcBef>
+                <a:spcPct val="20000"/>
+              </a:spcBef>
+              <a:spcAft>
+                <a:spcPts val="600"/>
+              </a:spcAft>
+              <a:buClr>
+                <a:schemeClr val="accent1"/>
+              </a:buClr>
+              <a:buFont typeface="Wingdings 2" charset="2"/>
+              <a:buChar char=""/>
+              <a:defRPr sz="2000" kern="1200">
+                <a:solidFill>
+                  <a:schemeClr val="tx1"/>
+                </a:solidFill>
+                <a:latin typeface="Source Sans Pro" panose="020B0503030403020204" pitchFamily="34" charset="0"/>
+                <a:ea typeface="Source Sans Pro" panose="020B0503030403020204" pitchFamily="34" charset="0"/>
+                <a:cs typeface="+mn-cs"/>
+              </a:defRPr>
+            </a:lvl2pPr>
+            <a:lvl3pPr marL="1143000" indent="-228600" algn="l" defTabSz="457200" rtl="0" eaLnBrk="1" latinLnBrk="0" hangingPunct="1">
+              <a:spcBef>
+                <a:spcPct val="20000"/>
+              </a:spcBef>
+              <a:spcAft>
+                <a:spcPts val="600"/>
+              </a:spcAft>
+              <a:buClr>
+                <a:schemeClr val="accent1"/>
+              </a:buClr>
+              <a:buFont typeface="Wingdings 2" charset="2"/>
+              <a:buChar char=""/>
+              <a:defRPr sz="1800" kern="1200">
+                <a:solidFill>
+                  <a:schemeClr val="tx1"/>
+                </a:solidFill>
+                <a:latin typeface="Source Sans Pro" panose="020B0503030403020204" pitchFamily="34" charset="0"/>
+                <a:ea typeface="Source Sans Pro" panose="020B0503030403020204" pitchFamily="34" charset="0"/>
+                <a:cs typeface="+mn-cs"/>
+              </a:defRPr>
+            </a:lvl3pPr>
+            <a:lvl4pPr marL="1600200" indent="-228600" algn="l" defTabSz="457200" rtl="0" eaLnBrk="1" latinLnBrk="0" hangingPunct="1">
+              <a:spcBef>
+                <a:spcPct val="20000"/>
+              </a:spcBef>
+              <a:spcAft>
+                <a:spcPts val="600"/>
+              </a:spcAft>
+              <a:buClr>
+                <a:schemeClr val="accent1"/>
+              </a:buClr>
+              <a:buFont typeface="Wingdings 2" charset="2"/>
+              <a:buChar char=""/>
+              <a:defRPr sz="1600" kern="1200">
+                <a:solidFill>
+                  <a:schemeClr val="tx1"/>
+                </a:solidFill>
+                <a:latin typeface="Source Sans Pro" panose="020B0503030403020204" pitchFamily="34" charset="0"/>
+                <a:ea typeface="Source Sans Pro" panose="020B0503030403020204" pitchFamily="34" charset="0"/>
+                <a:cs typeface="+mn-cs"/>
+              </a:defRPr>
+            </a:lvl4pPr>
+            <a:lvl5pPr marL="2057400" indent="-228600" algn="l" defTabSz="457200" rtl="0" eaLnBrk="1" latinLnBrk="0" hangingPunct="1">
+              <a:spcBef>
+                <a:spcPct val="20000"/>
+              </a:spcBef>
+              <a:spcAft>
+                <a:spcPts val="600"/>
+              </a:spcAft>
+              <a:buClr>
+                <a:schemeClr val="accent1"/>
+              </a:buClr>
+              <a:buFont typeface="Wingdings 2" charset="2"/>
+              <a:buChar char=""/>
+              <a:defRPr sz="1600" kern="1200">
+                <a:solidFill>
+                  <a:schemeClr val="tx1"/>
+                </a:solidFill>
+                <a:latin typeface="Source Sans Pro" panose="020B0503030403020204" pitchFamily="34" charset="0"/>
+                <a:ea typeface="Source Sans Pro" panose="020B0503030403020204" pitchFamily="34" charset="0"/>
+                <a:cs typeface="+mn-cs"/>
+              </a:defRPr>
+            </a:lvl5pPr>
+            <a:lvl6pPr marL="2400000" indent="-228600" algn="l" defTabSz="457200" rtl="0" eaLnBrk="1" latinLnBrk="0" hangingPunct="1">
+              <a:spcBef>
+                <a:spcPct val="20000"/>
+              </a:spcBef>
+              <a:spcAft>
+                <a:spcPts val="600"/>
+              </a:spcAft>
+              <a:buClr>
+                <a:schemeClr val="accent1"/>
+              </a:buClr>
+              <a:buFont typeface="Wingdings 2" charset="2"/>
+              <a:buChar char=""/>
+              <a:defRPr sz="1200" kern="1200">
+                <a:solidFill>
+                  <a:schemeClr val="tx1"/>
+                </a:solidFill>
+                <a:latin typeface="+mn-lt"/>
+                <a:ea typeface="+mn-ea"/>
+                <a:cs typeface="+mn-cs"/>
+              </a:defRPr>
+            </a:lvl6pPr>
+            <a:lvl7pPr marL="2800000" indent="-228600" algn="l" defTabSz="457200" rtl="0" eaLnBrk="1" latinLnBrk="0" hangingPunct="1">
+              <a:spcBef>
+                <a:spcPct val="20000"/>
+              </a:spcBef>
+              <a:spcAft>
+                <a:spcPts val="600"/>
+              </a:spcAft>
+              <a:buClr>
+                <a:schemeClr val="accent1"/>
+              </a:buClr>
+              <a:buFont typeface="Wingdings 2" charset="2"/>
+              <a:buChar char=""/>
+              <a:defRPr sz="1200" kern="1200">
+                <a:solidFill>
+                  <a:schemeClr val="tx1"/>
+                </a:solidFill>
+                <a:latin typeface="+mn-lt"/>
+                <a:ea typeface="+mn-ea"/>
+                <a:cs typeface="+mn-cs"/>
+              </a:defRPr>
+            </a:lvl7pPr>
+            <a:lvl8pPr marL="3200000" indent="-228600" algn="l" defTabSz="457200" rtl="0" eaLnBrk="1" latinLnBrk="0" hangingPunct="1">
+              <a:spcBef>
+                <a:spcPct val="20000"/>
+              </a:spcBef>
+              <a:spcAft>
+                <a:spcPts val="600"/>
+              </a:spcAft>
+              <a:buClr>
+                <a:schemeClr val="accent1"/>
+              </a:buClr>
+              <a:buFont typeface="Wingdings 2" charset="2"/>
+              <a:buChar char=""/>
+              <a:defRPr sz="1200" kern="1200">
+                <a:solidFill>
+                  <a:schemeClr val="tx1"/>
+                </a:solidFill>
+                <a:latin typeface="+mn-lt"/>
+                <a:ea typeface="+mn-ea"/>
+                <a:cs typeface="+mn-cs"/>
+              </a:defRPr>
+            </a:lvl8pPr>
+            <a:lvl9pPr marL="3600000" indent="-228600" algn="l" defTabSz="457200" rtl="0" eaLnBrk="1" latinLnBrk="0" hangingPunct="1">
+              <a:spcBef>
+                <a:spcPct val="20000"/>
+              </a:spcBef>
+              <a:spcAft>
+                <a:spcPts val="600"/>
+              </a:spcAft>
+              <a:buClr>
+                <a:schemeClr val="accent1"/>
+              </a:buClr>
+              <a:buFont typeface="Wingdings 2" charset="2"/>
+              <a:buChar char=""/>
+              <a:defRPr sz="1200" kern="1200">
+                <a:solidFill>
+                  <a:schemeClr val="tx1"/>
+                </a:solidFill>
+                <a:latin typeface="+mn-lt"/>
+                <a:ea typeface="+mn-ea"/>
+                <a:cs typeface="+mn-cs"/>
+              </a:defRPr>
+            </a:lvl9pPr>
+          </a:lstStyle>
+          <a:p>
+            <a:pPr marL="0" indent="0">
+              <a:buNone/>
+            </a:pPr>
+            <a:r>
+              <a:rPr lang="en-US" dirty="0"/>
+              <a:t>int(x) </a:t>
+            </a:r>
+            <a:r>
+              <a:rPr lang="en-US" dirty="0">
+                <a:solidFill>
+                  <a:schemeClr val="bg2">
+                    <a:lumMod val="50000"/>
+                    <a:lumOff val="50000"/>
+                  </a:schemeClr>
+                </a:solidFill>
+              </a:rPr>
+              <a:t># 5</a:t>
+            </a:r>
+          </a:p>
+        </p:txBody>
+      </p:sp>
+      <p:sp>
+        <p:nvSpPr>
+          <p:cNvPr id="10" name="Content Placeholder 2">
+            <a:extLst>
+              <a:ext uri="{FF2B5EF4-FFF2-40B4-BE49-F238E27FC236}">
+                <a16:creationId xmlns:a16="http://schemas.microsoft.com/office/drawing/2014/main" id="{AE4908DD-F469-1890-1D69-FB2DB77D47ED}"/>
+              </a:ext>
+            </a:extLst>
+          </p:cNvPr>
+          <p:cNvSpPr txBox="1">
+            <a:spLocks/>
+          </p:cNvSpPr>
+          <p:nvPr/>
+        </p:nvSpPr>
+        <p:spPr>
+          <a:xfrm>
+            <a:off x="3825151" y="4225636"/>
+            <a:ext cx="2104597" cy="609599"/>
+          </a:xfrm>
+          <a:prstGeom prst="rect">
+            <a:avLst/>
+          </a:prstGeom>
+          <a:effectLst>
+            <a:outerShdw blurRad="50800" dir="14400000">
+              <a:srgbClr val="000000">
+                <a:alpha val="40000"/>
+              </a:srgbClr>
+            </a:outerShdw>
+          </a:effectLst>
+        </p:spPr>
+        <p:txBody>
+          <a:bodyPr vert="horz" lIns="91440" tIns="45720" rIns="91440" bIns="45720" rtlCol="0" anchor="ctr">
+            <a:normAutofit/>
+          </a:bodyPr>
+          <a:lstStyle>
+            <a:lvl1pPr marL="342900" indent="-342900" algn="l" defTabSz="457200" rtl="0" eaLnBrk="1" latinLnBrk="0" hangingPunct="1">
+              <a:spcBef>
+                <a:spcPct val="20000"/>
+              </a:spcBef>
+              <a:spcAft>
+                <a:spcPts val="600"/>
+              </a:spcAft>
+              <a:buClr>
+                <a:schemeClr val="accent1"/>
+              </a:buClr>
+              <a:buFont typeface="Wingdings 2" charset="2"/>
+              <a:buChar char=""/>
+              <a:defRPr sz="2400" kern="1200">
+                <a:solidFill>
+                  <a:schemeClr val="tx1"/>
+                </a:solidFill>
+                <a:latin typeface="Source Sans Pro" panose="020B0503030403020204" pitchFamily="34" charset="0"/>
+                <a:ea typeface="Source Sans Pro" panose="020B0503030403020204" pitchFamily="34" charset="0"/>
+                <a:cs typeface="+mn-cs"/>
+              </a:defRPr>
+            </a:lvl1pPr>
+            <a:lvl2pPr marL="742950" indent="-285750" algn="l" defTabSz="457200" rtl="0" eaLnBrk="1" latinLnBrk="0" hangingPunct="1">
+              <a:spcBef>
+                <a:spcPct val="20000"/>
+              </a:spcBef>
+              <a:spcAft>
+                <a:spcPts val="600"/>
+              </a:spcAft>
+              <a:buClr>
+                <a:schemeClr val="accent1"/>
+              </a:buClr>
+              <a:buFont typeface="Wingdings 2" charset="2"/>
+              <a:buChar char=""/>
+              <a:defRPr sz="2000" kern="1200">
+                <a:solidFill>
+                  <a:schemeClr val="tx1"/>
+                </a:solidFill>
+                <a:latin typeface="Source Sans Pro" panose="020B0503030403020204" pitchFamily="34" charset="0"/>
+                <a:ea typeface="Source Sans Pro" panose="020B0503030403020204" pitchFamily="34" charset="0"/>
+                <a:cs typeface="+mn-cs"/>
+              </a:defRPr>
+            </a:lvl2pPr>
+            <a:lvl3pPr marL="1143000" indent="-228600" algn="l" defTabSz="457200" rtl="0" eaLnBrk="1" latinLnBrk="0" hangingPunct="1">
+              <a:spcBef>
+                <a:spcPct val="20000"/>
+              </a:spcBef>
+              <a:spcAft>
+                <a:spcPts val="600"/>
+              </a:spcAft>
+              <a:buClr>
+                <a:schemeClr val="accent1"/>
+              </a:buClr>
+              <a:buFont typeface="Wingdings 2" charset="2"/>
+              <a:buChar char=""/>
+              <a:defRPr sz="1800" kern="1200">
+                <a:solidFill>
+                  <a:schemeClr val="tx1"/>
+                </a:solidFill>
+                <a:latin typeface="Source Sans Pro" panose="020B0503030403020204" pitchFamily="34" charset="0"/>
+                <a:ea typeface="Source Sans Pro" panose="020B0503030403020204" pitchFamily="34" charset="0"/>
+                <a:cs typeface="+mn-cs"/>
+              </a:defRPr>
+            </a:lvl3pPr>
+            <a:lvl4pPr marL="1600200" indent="-228600" algn="l" defTabSz="457200" rtl="0" eaLnBrk="1" latinLnBrk="0" hangingPunct="1">
+              <a:spcBef>
+                <a:spcPct val="20000"/>
+              </a:spcBef>
+              <a:spcAft>
+                <a:spcPts val="600"/>
+              </a:spcAft>
+              <a:buClr>
+                <a:schemeClr val="accent1"/>
+              </a:buClr>
+              <a:buFont typeface="Wingdings 2" charset="2"/>
+              <a:buChar char=""/>
+              <a:defRPr sz="1600" kern="1200">
+                <a:solidFill>
+                  <a:schemeClr val="tx1"/>
+                </a:solidFill>
+                <a:latin typeface="Source Sans Pro" panose="020B0503030403020204" pitchFamily="34" charset="0"/>
+                <a:ea typeface="Source Sans Pro" panose="020B0503030403020204" pitchFamily="34" charset="0"/>
+                <a:cs typeface="+mn-cs"/>
+              </a:defRPr>
+            </a:lvl4pPr>
+            <a:lvl5pPr marL="2057400" indent="-228600" algn="l" defTabSz="457200" rtl="0" eaLnBrk="1" latinLnBrk="0" hangingPunct="1">
+              <a:spcBef>
+                <a:spcPct val="20000"/>
+              </a:spcBef>
+              <a:spcAft>
+                <a:spcPts val="600"/>
+              </a:spcAft>
+              <a:buClr>
+                <a:schemeClr val="accent1"/>
+              </a:buClr>
+              <a:buFont typeface="Wingdings 2" charset="2"/>
+              <a:buChar char=""/>
+              <a:defRPr sz="1600" kern="1200">
+                <a:solidFill>
+                  <a:schemeClr val="tx1"/>
+                </a:solidFill>
+                <a:latin typeface="Source Sans Pro" panose="020B0503030403020204" pitchFamily="34" charset="0"/>
+                <a:ea typeface="Source Sans Pro" panose="020B0503030403020204" pitchFamily="34" charset="0"/>
+                <a:cs typeface="+mn-cs"/>
+              </a:defRPr>
+            </a:lvl5pPr>
+            <a:lvl6pPr marL="2400000" indent="-228600" algn="l" defTabSz="457200" rtl="0" eaLnBrk="1" latinLnBrk="0" hangingPunct="1">
+              <a:spcBef>
+                <a:spcPct val="20000"/>
+              </a:spcBef>
+              <a:spcAft>
+                <a:spcPts val="600"/>
+              </a:spcAft>
+              <a:buClr>
+                <a:schemeClr val="accent1"/>
+              </a:buClr>
+              <a:buFont typeface="Wingdings 2" charset="2"/>
+              <a:buChar char=""/>
+              <a:defRPr sz="1200" kern="1200">
+                <a:solidFill>
+                  <a:schemeClr val="tx1"/>
+                </a:solidFill>
+                <a:latin typeface="+mn-lt"/>
+                <a:ea typeface="+mn-ea"/>
+                <a:cs typeface="+mn-cs"/>
+              </a:defRPr>
+            </a:lvl6pPr>
+            <a:lvl7pPr marL="2800000" indent="-228600" algn="l" defTabSz="457200" rtl="0" eaLnBrk="1" latinLnBrk="0" hangingPunct="1">
+              <a:spcBef>
+                <a:spcPct val="20000"/>
+              </a:spcBef>
+              <a:spcAft>
+                <a:spcPts val="600"/>
+              </a:spcAft>
+              <a:buClr>
+                <a:schemeClr val="accent1"/>
+              </a:buClr>
+              <a:buFont typeface="Wingdings 2" charset="2"/>
+              <a:buChar char=""/>
+              <a:defRPr sz="1200" kern="1200">
+                <a:solidFill>
+                  <a:schemeClr val="tx1"/>
+                </a:solidFill>
+                <a:latin typeface="+mn-lt"/>
+                <a:ea typeface="+mn-ea"/>
+                <a:cs typeface="+mn-cs"/>
+              </a:defRPr>
+            </a:lvl7pPr>
+            <a:lvl8pPr marL="3200000" indent="-228600" algn="l" defTabSz="457200" rtl="0" eaLnBrk="1" latinLnBrk="0" hangingPunct="1">
+              <a:spcBef>
+                <a:spcPct val="20000"/>
+              </a:spcBef>
+              <a:spcAft>
+                <a:spcPts val="600"/>
+              </a:spcAft>
+              <a:buClr>
+                <a:schemeClr val="accent1"/>
+              </a:buClr>
+              <a:buFont typeface="Wingdings 2" charset="2"/>
+              <a:buChar char=""/>
+              <a:defRPr sz="1200" kern="1200">
+                <a:solidFill>
+                  <a:schemeClr val="tx1"/>
+                </a:solidFill>
+                <a:latin typeface="+mn-lt"/>
+                <a:ea typeface="+mn-ea"/>
+                <a:cs typeface="+mn-cs"/>
+              </a:defRPr>
+            </a:lvl8pPr>
+            <a:lvl9pPr marL="3600000" indent="-228600" algn="l" defTabSz="457200" rtl="0" eaLnBrk="1" latinLnBrk="0" hangingPunct="1">
+              <a:spcBef>
+                <a:spcPct val="20000"/>
+              </a:spcBef>
+              <a:spcAft>
+                <a:spcPts val="600"/>
+              </a:spcAft>
+              <a:buClr>
+                <a:schemeClr val="accent1"/>
+              </a:buClr>
+              <a:buFont typeface="Wingdings 2" charset="2"/>
+              <a:buChar char=""/>
+              <a:defRPr sz="1200" kern="1200">
+                <a:solidFill>
+                  <a:schemeClr val="tx1"/>
+                </a:solidFill>
+                <a:latin typeface="+mn-lt"/>
+                <a:ea typeface="+mn-ea"/>
+                <a:cs typeface="+mn-cs"/>
+              </a:defRPr>
+            </a:lvl9pPr>
+          </a:lstStyle>
+          <a:p>
+            <a:pPr marL="0" indent="0">
+              <a:buNone/>
+            </a:pPr>
+            <a:r>
+              <a:rPr lang="en-US" dirty="0"/>
+              <a:t>int(x) </a:t>
+            </a:r>
+            <a:r>
+              <a:rPr lang="en-US" dirty="0">
+                <a:solidFill>
+                  <a:schemeClr val="bg2">
+                    <a:lumMod val="50000"/>
+                    <a:lumOff val="50000"/>
+                  </a:schemeClr>
+                </a:solidFill>
+              </a:rPr>
+              <a:t># 5</a:t>
+            </a:r>
+          </a:p>
+        </p:txBody>
+      </p:sp>
+    </p:spTree>
+    <p:extLst>
+      <p:ext uri="{BB962C8B-B14F-4D97-AF65-F5344CB8AC3E}">
+        <p14:creationId xmlns:p14="http://schemas.microsoft.com/office/powerpoint/2010/main" val="1647617573"/>
+      </p:ext>
+    </p:extLst>
+  </p:cSld>
+  <p:clrMapOvr>
+    <a:masterClrMapping/>
+  </p:clrMapOvr>
+  <p:timing>
+    <p:tnLst>
+      <p:par>
+        <p:cTn id="1" dur="indefinite" restart="never" nodeType="tmRoot">
+          <p:childTnLst>
+            <p:seq concurrent="1" nextAc="seek">
+              <p:cTn id="2" dur="indefinite" nodeType="mainSeq">
+                <p:childTnLst>
+                  <p:par>
+                    <p:cTn id="3" fill="hold">
+                      <p:stCondLst>
+                        <p:cond delay="indefinite"/>
+                      </p:stCondLst>
+                      <p:childTnLst>
+                        <p:par>
+                          <p:cTn id="4" fill="hold">
+                            <p:stCondLst>
+                              <p:cond delay="0"/>
+                            </p:stCondLst>
+                            <p:childTnLst>
+                              <p:par>
+                                <p:cTn id="5" presetID="10" presetClass="entr" presetSubtype="0" fill="hold" grpId="0" nodeType="clickEffect">
+                                  <p:stCondLst>
+                                    <p:cond delay="0"/>
+                                  </p:stCondLst>
+                                  <p:childTnLst>
+                                    <p:set>
+                                      <p:cBhvr>
+                                        <p:cTn id="6" dur="1" fill="hold">
+                                          <p:stCondLst>
+                                            <p:cond delay="0"/>
+                                          </p:stCondLst>
+                                        </p:cTn>
+                                        <p:tgtEl>
+                                          <p:spTgt spid="3">
+                                            <p:txEl>
+                                              <p:pRg st="0" end="0"/>
+                                            </p:txEl>
+                                          </p:spTgt>
+                                        </p:tgtEl>
+                                        <p:attrNameLst>
+                                          <p:attrName>style.visibility</p:attrName>
+                                        </p:attrNameLst>
+                                      </p:cBhvr>
+                                      <p:to>
+                                        <p:strVal val="visible"/>
+                                      </p:to>
+                                    </p:set>
+                                    <p:animEffect transition="in" filter="fade">
+                                      <p:cBhvr>
+                                        <p:cTn id="7" dur="500"/>
+                                        <p:tgtEl>
+                                          <p:spTgt spid="3">
+                                            <p:txEl>
+                                              <p:pRg st="0" end="0"/>
+                                            </p:txEl>
+                                          </p:spTgt>
+                                        </p:tgtEl>
+                                      </p:cBhvr>
+                                    </p:animEffect>
+                                  </p:childTnLst>
+                                </p:cTn>
+                              </p:par>
+                            </p:childTnLst>
+                          </p:cTn>
+                        </p:par>
+                      </p:childTnLst>
+                    </p:cTn>
+                  </p:par>
+                  <p:par>
+                    <p:cTn id="8" fill="hold">
+                      <p:stCondLst>
+                        <p:cond delay="indefinite"/>
+                      </p:stCondLst>
+                      <p:childTnLst>
+                        <p:par>
+                          <p:cTn id="9" fill="hold">
+                            <p:stCondLst>
+                              <p:cond delay="0"/>
+                            </p:stCondLst>
+                            <p:childTnLst>
+                              <p:par>
+                                <p:cTn id="10" presetID="10" presetClass="entr" presetSubtype="0" fill="hold" grpId="0" nodeType="clickEffect">
+                                  <p:stCondLst>
+                                    <p:cond delay="0"/>
+                                  </p:stCondLst>
+                                  <p:childTnLst>
+                                    <p:set>
+                                      <p:cBhvr>
+                                        <p:cTn id="11" dur="1" fill="hold">
+                                          <p:stCondLst>
+                                            <p:cond delay="0"/>
+                                          </p:stCondLst>
+                                        </p:cTn>
+                                        <p:tgtEl>
+                                          <p:spTgt spid="3">
+                                            <p:txEl>
+                                              <p:pRg st="1" end="1"/>
+                                            </p:txEl>
+                                          </p:spTgt>
+                                        </p:tgtEl>
+                                        <p:attrNameLst>
+                                          <p:attrName>style.visibility</p:attrName>
+                                        </p:attrNameLst>
+                                      </p:cBhvr>
+                                      <p:to>
+                                        <p:strVal val="visible"/>
+                                      </p:to>
+                                    </p:set>
+                                    <p:animEffect transition="in" filter="fade">
+                                      <p:cBhvr>
+                                        <p:cTn id="12" dur="500"/>
+                                        <p:tgtEl>
+                                          <p:spTgt spid="3">
+                                            <p:txEl>
+                                              <p:pRg st="1" end="1"/>
+                                            </p:txEl>
+                                          </p:spTgt>
+                                        </p:tgtEl>
+                                      </p:cBhvr>
+                                    </p:animEffect>
+                                  </p:childTnLst>
+                                </p:cTn>
+                              </p:par>
+                            </p:childTnLst>
+                          </p:cTn>
+                        </p:par>
+                      </p:childTnLst>
+                    </p:cTn>
+                  </p:par>
+                  <p:par>
+                    <p:cTn id="13" fill="hold">
+                      <p:stCondLst>
+                        <p:cond delay="indefinite"/>
+                      </p:stCondLst>
+                      <p:childTnLst>
+                        <p:par>
+                          <p:cTn id="14" fill="hold">
+                            <p:stCondLst>
+                              <p:cond delay="0"/>
+                            </p:stCondLst>
+                            <p:childTnLst>
+                              <p:par>
+                                <p:cTn id="15" presetID="10" presetClass="entr" presetSubtype="0" fill="hold" grpId="0" nodeType="clickEffect">
+                                  <p:stCondLst>
+                                    <p:cond delay="0"/>
+                                  </p:stCondLst>
+                                  <p:childTnLst>
+                                    <p:set>
+                                      <p:cBhvr>
+                                        <p:cTn id="16" dur="1" fill="hold">
+                                          <p:stCondLst>
+                                            <p:cond delay="0"/>
+                                          </p:stCondLst>
+                                        </p:cTn>
+                                        <p:tgtEl>
+                                          <p:spTgt spid="3">
+                                            <p:txEl>
+                                              <p:pRg st="2" end="2"/>
+                                            </p:txEl>
+                                          </p:spTgt>
+                                        </p:tgtEl>
+                                        <p:attrNameLst>
+                                          <p:attrName>style.visibility</p:attrName>
+                                        </p:attrNameLst>
+                                      </p:cBhvr>
+                                      <p:to>
+                                        <p:strVal val="visible"/>
+                                      </p:to>
+                                    </p:set>
+                                    <p:animEffect transition="in" filter="fade">
+                                      <p:cBhvr>
+                                        <p:cTn id="17" dur="500"/>
+                                        <p:tgtEl>
+                                          <p:spTgt spid="3">
+                                            <p:txEl>
+                                              <p:pRg st="2" end="2"/>
+                                            </p:txEl>
+                                          </p:spTgt>
+                                        </p:tgtEl>
+                                      </p:cBhvr>
+                                    </p:animEffect>
+                                  </p:childTnLst>
+                                </p:cTn>
+                              </p:par>
+                            </p:childTnLst>
+                          </p:cTn>
+                        </p:par>
+                      </p:childTnLst>
+                    </p:cTn>
+                  </p:par>
+                  <p:par>
+                    <p:cTn id="18" fill="hold">
+                      <p:stCondLst>
+                        <p:cond delay="indefinite"/>
+                      </p:stCondLst>
+                      <p:childTnLst>
+                        <p:par>
+                          <p:cTn id="19" fill="hold">
+                            <p:stCondLst>
+                              <p:cond delay="0"/>
+                            </p:stCondLst>
+                            <p:childTnLst>
+                              <p:par>
+                                <p:cTn id="20" presetID="10" presetClass="entr" presetSubtype="0" fill="hold" grpId="0" nodeType="clickEffect">
+                                  <p:stCondLst>
+                                    <p:cond delay="0"/>
+                                  </p:stCondLst>
+                                  <p:childTnLst>
+                                    <p:set>
+                                      <p:cBhvr>
+                                        <p:cTn id="21" dur="1" fill="hold">
+                                          <p:stCondLst>
+                                            <p:cond delay="0"/>
+                                          </p:stCondLst>
+                                        </p:cTn>
+                                        <p:tgtEl>
+                                          <p:spTgt spid="3">
+                                            <p:txEl>
+                                              <p:pRg st="3" end="3"/>
+                                            </p:txEl>
+                                          </p:spTgt>
+                                        </p:tgtEl>
+                                        <p:attrNameLst>
+                                          <p:attrName>style.visibility</p:attrName>
+                                        </p:attrNameLst>
+                                      </p:cBhvr>
+                                      <p:to>
+                                        <p:strVal val="visible"/>
+                                      </p:to>
+                                    </p:set>
+                                    <p:animEffect transition="in" filter="fade">
+                                      <p:cBhvr>
+                                        <p:cTn id="22" dur="500"/>
+                                        <p:tgtEl>
+                                          <p:spTgt spid="3">
+                                            <p:txEl>
+                                              <p:pRg st="3" end="3"/>
+                                            </p:txEl>
+                                          </p:spTgt>
+                                        </p:tgtEl>
+                                      </p:cBhvr>
+                                    </p:animEffect>
+                                  </p:childTnLst>
+                                </p:cTn>
+                              </p:par>
+                            </p:childTnLst>
+                          </p:cTn>
+                        </p:par>
+                      </p:childTnLst>
+                    </p:cTn>
+                  </p:par>
+                  <p:par>
+                    <p:cTn id="23" fill="hold">
+                      <p:stCondLst>
+                        <p:cond delay="indefinite"/>
+                      </p:stCondLst>
+                      <p:childTnLst>
+                        <p:par>
+                          <p:cTn id="24" fill="hold">
+                            <p:stCondLst>
+                              <p:cond delay="0"/>
+                            </p:stCondLst>
+                            <p:childTnLst>
+                              <p:par>
+                                <p:cTn id="25" presetID="10" presetClass="entr" presetSubtype="0" fill="hold" grpId="0" nodeType="clickEffect">
+                                  <p:stCondLst>
+                                    <p:cond delay="0"/>
+                                  </p:stCondLst>
+                                  <p:childTnLst>
+                                    <p:set>
+                                      <p:cBhvr>
+                                        <p:cTn id="26" dur="1" fill="hold">
+                                          <p:stCondLst>
+                                            <p:cond delay="0"/>
+                                          </p:stCondLst>
+                                        </p:cTn>
+                                        <p:tgtEl>
+                                          <p:spTgt spid="3">
+                                            <p:txEl>
+                                              <p:pRg st="4" end="4"/>
+                                            </p:txEl>
+                                          </p:spTgt>
+                                        </p:tgtEl>
+                                        <p:attrNameLst>
+                                          <p:attrName>style.visibility</p:attrName>
+                                        </p:attrNameLst>
+                                      </p:cBhvr>
+                                      <p:to>
+                                        <p:strVal val="visible"/>
+                                      </p:to>
+                                    </p:set>
+                                    <p:animEffect transition="in" filter="fade">
+                                      <p:cBhvr>
+                                        <p:cTn id="27" dur="500"/>
+                                        <p:tgtEl>
+                                          <p:spTgt spid="3">
+                                            <p:txEl>
+                                              <p:pRg st="4" end="4"/>
+                                            </p:txEl>
+                                          </p:spTgt>
+                                        </p:tgtEl>
+                                      </p:cBhvr>
+                                    </p:animEffect>
+                                  </p:childTnLst>
+                                </p:cTn>
+                              </p:par>
+                            </p:childTnLst>
+                          </p:cTn>
+                        </p:par>
+                      </p:childTnLst>
+                    </p:cTn>
+                  </p:par>
+                  <p:par>
+                    <p:cTn id="28" fill="hold">
+                      <p:stCondLst>
+                        <p:cond delay="indefinite"/>
+                      </p:stCondLst>
+                      <p:childTnLst>
+                        <p:par>
+                          <p:cTn id="29" fill="hold">
+                            <p:stCondLst>
+                              <p:cond delay="0"/>
+                            </p:stCondLst>
+                            <p:childTnLst>
+                              <p:par>
+                                <p:cTn id="30" presetID="10" presetClass="entr" presetSubtype="0" fill="hold" nodeType="clickEffect">
+                                  <p:stCondLst>
+                                    <p:cond delay="0"/>
+                                  </p:stCondLst>
+                                  <p:childTnLst>
+                                    <p:set>
+                                      <p:cBhvr>
+                                        <p:cTn id="31" dur="1" fill="hold">
+                                          <p:stCondLst>
+                                            <p:cond delay="0"/>
+                                          </p:stCondLst>
+                                        </p:cTn>
+                                        <p:tgtEl>
+                                          <p:spTgt spid="5"/>
+                                        </p:tgtEl>
+                                        <p:attrNameLst>
+                                          <p:attrName>style.visibility</p:attrName>
+                                        </p:attrNameLst>
+                                      </p:cBhvr>
+                                      <p:to>
+                                        <p:strVal val="visible"/>
+                                      </p:to>
+                                    </p:set>
+                                    <p:animEffect transition="in" filter="fade">
+                                      <p:cBhvr>
+                                        <p:cTn id="32" dur="500"/>
+                                        <p:tgtEl>
+                                          <p:spTgt spid="5"/>
+                                        </p:tgtEl>
+                                      </p:cBhvr>
+                                    </p:animEffect>
+                                  </p:childTnLst>
+                                </p:cTn>
+                              </p:par>
+                            </p:childTnLst>
+                          </p:cTn>
+                        </p:par>
+                      </p:childTnLst>
+                    </p:cTn>
+                  </p:par>
+                  <p:par>
+                    <p:cTn id="33" fill="hold">
+                      <p:stCondLst>
+                        <p:cond delay="indefinite"/>
+                      </p:stCondLst>
+                      <p:childTnLst>
+                        <p:par>
+                          <p:cTn id="34" fill="hold">
+                            <p:stCondLst>
+                              <p:cond delay="0"/>
+                            </p:stCondLst>
+                            <p:childTnLst>
+                              <p:par>
+                                <p:cTn id="35" presetID="10" presetClass="entr" presetSubtype="0" fill="hold" grpId="0" nodeType="clickEffect">
+                                  <p:stCondLst>
+                                    <p:cond delay="0"/>
+                                  </p:stCondLst>
+                                  <p:childTnLst>
+                                    <p:set>
+                                      <p:cBhvr>
+                                        <p:cTn id="36" dur="1" fill="hold">
+                                          <p:stCondLst>
+                                            <p:cond delay="0"/>
+                                          </p:stCondLst>
+                                        </p:cTn>
+                                        <p:tgtEl>
+                                          <p:spTgt spid="8"/>
+                                        </p:tgtEl>
+                                        <p:attrNameLst>
+                                          <p:attrName>style.visibility</p:attrName>
+                                        </p:attrNameLst>
+                                      </p:cBhvr>
+                                      <p:to>
+                                        <p:strVal val="visible"/>
+                                      </p:to>
+                                    </p:set>
+                                    <p:animEffect transition="in" filter="fade">
+                                      <p:cBhvr>
+                                        <p:cTn id="37" dur="500"/>
+                                        <p:tgtEl>
+                                          <p:spTgt spid="8"/>
+                                        </p:tgtEl>
+                                      </p:cBhvr>
+                                    </p:animEffect>
+                                  </p:childTnLst>
+                                </p:cTn>
+                              </p:par>
+                            </p:childTnLst>
+                          </p:cTn>
+                        </p:par>
+                      </p:childTnLst>
+                    </p:cTn>
+                  </p:par>
+                  <p:par>
+                    <p:cTn id="38" fill="hold">
+                      <p:stCondLst>
+                        <p:cond delay="indefinite"/>
+                      </p:stCondLst>
+                      <p:childTnLst>
+                        <p:par>
+                          <p:cTn id="39" fill="hold">
+                            <p:stCondLst>
+                              <p:cond delay="0"/>
+                            </p:stCondLst>
+                            <p:childTnLst>
+                              <p:par>
+                                <p:cTn id="40" presetID="10" presetClass="entr" presetSubtype="0" fill="hold" nodeType="clickEffect">
+                                  <p:stCondLst>
+                                    <p:cond delay="0"/>
+                                  </p:stCondLst>
+                                  <p:childTnLst>
+                                    <p:set>
+                                      <p:cBhvr>
+                                        <p:cTn id="41" dur="1" fill="hold">
+                                          <p:stCondLst>
+                                            <p:cond delay="0"/>
+                                          </p:stCondLst>
+                                        </p:cTn>
+                                        <p:tgtEl>
+                                          <p:spTgt spid="6"/>
+                                        </p:tgtEl>
+                                        <p:attrNameLst>
+                                          <p:attrName>style.visibility</p:attrName>
+                                        </p:attrNameLst>
+                                      </p:cBhvr>
+                                      <p:to>
+                                        <p:strVal val="visible"/>
+                                      </p:to>
+                                    </p:set>
+                                    <p:animEffect transition="in" filter="fade">
+                                      <p:cBhvr>
+                                        <p:cTn id="42" dur="500"/>
+                                        <p:tgtEl>
+                                          <p:spTgt spid="6"/>
+                                        </p:tgtEl>
+                                      </p:cBhvr>
+                                    </p:animEffect>
+                                  </p:childTnLst>
+                                </p:cTn>
+                              </p:par>
+                            </p:childTnLst>
+                          </p:cTn>
+                        </p:par>
+                      </p:childTnLst>
+                    </p:cTn>
+                  </p:par>
+                  <p:par>
+                    <p:cTn id="43" fill="hold">
+                      <p:stCondLst>
+                        <p:cond delay="indefinite"/>
+                      </p:stCondLst>
+                      <p:childTnLst>
+                        <p:par>
+                          <p:cTn id="44" fill="hold">
+                            <p:stCondLst>
+                              <p:cond delay="0"/>
+                            </p:stCondLst>
+                            <p:childTnLst>
+                              <p:par>
+                                <p:cTn id="45" presetID="10" presetClass="entr" presetSubtype="0" fill="hold" grpId="0" nodeType="clickEffect">
+                                  <p:stCondLst>
+                                    <p:cond delay="0"/>
+                                  </p:stCondLst>
+                                  <p:childTnLst>
+                                    <p:set>
+                                      <p:cBhvr>
+                                        <p:cTn id="46" dur="1" fill="hold">
+                                          <p:stCondLst>
+                                            <p:cond delay="0"/>
+                                          </p:stCondLst>
+                                        </p:cTn>
+                                        <p:tgtEl>
+                                          <p:spTgt spid="10"/>
+                                        </p:tgtEl>
+                                        <p:attrNameLst>
+                                          <p:attrName>style.visibility</p:attrName>
+                                        </p:attrNameLst>
+                                      </p:cBhvr>
+                                      <p:to>
+                                        <p:strVal val="visible"/>
+                                      </p:to>
+                                    </p:set>
+                                    <p:animEffect transition="in" filter="fade">
+                                      <p:cBhvr>
+                                        <p:cTn id="47" dur="500"/>
+                                        <p:tgtEl>
+                                          <p:spTgt spid="10"/>
+                                        </p:tgtEl>
+                                      </p:cBhvr>
+                                    </p:animEffect>
+                                  </p:childTnLst>
+                                </p:cTn>
+                              </p:par>
+                            </p:childTnLst>
+                          </p:cTn>
+                        </p:par>
+                      </p:childTnLst>
+                    </p:cTn>
+                  </p:par>
+                  <p:par>
+                    <p:cTn id="48" fill="hold">
+                      <p:stCondLst>
+                        <p:cond delay="indefinite"/>
+                      </p:stCondLst>
+                      <p:childTnLst>
+                        <p:par>
+                          <p:cTn id="49" fill="hold">
+                            <p:stCondLst>
+                              <p:cond delay="0"/>
+                            </p:stCondLst>
+                            <p:childTnLst>
+                              <p:par>
+                                <p:cTn id="50" presetID="10" presetClass="entr" presetSubtype="0" fill="hold" nodeType="clickEffect">
+                                  <p:stCondLst>
+                                    <p:cond delay="0"/>
+                                  </p:stCondLst>
+                                  <p:childTnLst>
+                                    <p:set>
+                                      <p:cBhvr>
+                                        <p:cTn id="51" dur="1" fill="hold">
+                                          <p:stCondLst>
+                                            <p:cond delay="0"/>
+                                          </p:stCondLst>
+                                        </p:cTn>
+                                        <p:tgtEl>
+                                          <p:spTgt spid="7"/>
+                                        </p:tgtEl>
+                                        <p:attrNameLst>
+                                          <p:attrName>style.visibility</p:attrName>
+                                        </p:attrNameLst>
+                                      </p:cBhvr>
+                                      <p:to>
+                                        <p:strVal val="visible"/>
+                                      </p:to>
+                                    </p:set>
+                                    <p:animEffect transition="in" filter="fade">
+                                      <p:cBhvr>
+                                        <p:cTn id="52" dur="500"/>
+                                        <p:tgtEl>
+                                          <p:spTgt spid="7"/>
+                                        </p:tgtEl>
+                                      </p:cBhvr>
+                                    </p:animEffect>
+                                  </p:childTnLst>
+                                </p:cTn>
+                              </p:par>
+                            </p:childTnLst>
+                          </p:cTn>
+                        </p:par>
+                      </p:childTnLst>
+                    </p:cTn>
+                  </p:par>
+                  <p:par>
+                    <p:cTn id="53" fill="hold">
+                      <p:stCondLst>
+                        <p:cond delay="indefinite"/>
+                      </p:stCondLst>
+                      <p:childTnLst>
+                        <p:par>
+                          <p:cTn id="54" fill="hold">
+                            <p:stCondLst>
+                              <p:cond delay="0"/>
+                            </p:stCondLst>
+                            <p:childTnLst>
+                              <p:par>
+                                <p:cTn id="55" presetID="10" presetClass="entr" presetSubtype="0" fill="hold" grpId="0" nodeType="clickEffect">
+                                  <p:stCondLst>
+                                    <p:cond delay="0"/>
+                                  </p:stCondLst>
+                                  <p:childTnLst>
+                                    <p:set>
+                                      <p:cBhvr>
+                                        <p:cTn id="56" dur="1" fill="hold">
+                                          <p:stCondLst>
+                                            <p:cond delay="0"/>
+                                          </p:stCondLst>
+                                        </p:cTn>
+                                        <p:tgtEl>
+                                          <p:spTgt spid="9"/>
+                                        </p:tgtEl>
+                                        <p:attrNameLst>
+                                          <p:attrName>style.visibility</p:attrName>
+                                        </p:attrNameLst>
+                                      </p:cBhvr>
+                                      <p:to>
+                                        <p:strVal val="visible"/>
+                                      </p:to>
+                                    </p:set>
+                                    <p:animEffect transition="in" filter="fade">
+                                      <p:cBhvr>
+                                        <p:cTn id="57" dur="500"/>
+                                        <p:tgtEl>
+                                          <p:spTgt spid="9"/>
+                                        </p:tgtEl>
+                                      </p:cBhvr>
+                                    </p:animEffect>
+                                  </p:childTnLst>
+                                </p:cTn>
+                              </p:par>
+                            </p:childTnLst>
+                          </p:cTn>
+                        </p:par>
+                      </p:childTnLst>
+                    </p:cTn>
+                  </p:par>
+                </p:childTnLst>
+              </p:cTn>
+              <p:prevCondLst>
+                <p:cond evt="onPrev" delay="0">
+                  <p:tgtEl>
+                    <p:sldTgt/>
+                  </p:tgtEl>
+                </p:cond>
+              </p:prevCondLst>
+              <p:nextCondLst>
+                <p:cond evt="onNext" delay="0">
+                  <p:tgtEl>
+                    <p:sldTgt/>
+                  </p:tgtEl>
+                </p:cond>
+              </p:nextCondLst>
+            </p:seq>
+          </p:childTnLst>
+        </p:cTn>
+      </p:par>
+    </p:tnLst>
+    <p:bldLst>
+      <p:bldP spid="3" grpId="0" build="p"/>
+      <p:bldP spid="8" grpId="0"/>
+      <p:bldP spid="9" grpId="0"/>
+      <p:bldP spid="10" grpId="0"/>
+    </p:bldLst>
+  </p:timing>
+</p:sld>
+</file>
+
+<file path=ppt/slides/slide37.xml><?xml version="1.0" encoding="utf-8"?>
+<p:sld xmlns:a="http://schemas.openxmlformats.org/drawingml/2006/main" xmlns:r="http://schemas.openxmlformats.org/officeDocument/2006/relationships" xmlns:p="http://schemas.openxmlformats.org/presentationml/2006/main">
+  <p:cSld>
+    <p:spTree>
+      <p:nvGrpSpPr>
+        <p:cNvPr id="1" name=""/>
+        <p:cNvGrpSpPr/>
+        <p:nvPr/>
+      </p:nvGrpSpPr>
+      <p:grpSpPr>
+        <a:xfrm>
+          <a:off x="0" y="0"/>
+          <a:ext cx="0" cy="0"/>
+          <a:chOff x="0" y="0"/>
+          <a:chExt cx="0" cy="0"/>
+        </a:xfrm>
+      </p:grpSpPr>
+      <p:sp>
+        <p:nvSpPr>
+          <p:cNvPr id="2" name="Title 1">
+            <a:extLst>
+              <a:ext uri="{FF2B5EF4-FFF2-40B4-BE49-F238E27FC236}">
+                <a16:creationId xmlns:a16="http://schemas.microsoft.com/office/drawing/2014/main" id="{B65DFE2C-86DB-BC98-B3DF-06CA9C54E04A}"/>
+              </a:ext>
+            </a:extLst>
+          </p:cNvPr>
+          <p:cNvSpPr>
+            <a:spLocks noGrp="1"/>
+          </p:cNvSpPr>
+          <p:nvPr>
+            <p:ph type="title"/>
+          </p:nvPr>
+        </p:nvSpPr>
+        <p:spPr/>
+        <p:txBody>
+          <a:bodyPr/>
+          <a:lstStyle/>
+          <a:p>
+            <a:r>
+              <a:rPr lang="en-US" dirty="0"/>
+              <a:t>Numbers</a:t>
+            </a:r>
+          </a:p>
+        </p:txBody>
+      </p:sp>
+      <p:sp>
+        <p:nvSpPr>
+          <p:cNvPr id="3" name="Content Placeholder 2">
+            <a:extLst>
+              <a:ext uri="{FF2B5EF4-FFF2-40B4-BE49-F238E27FC236}">
+                <a16:creationId xmlns:a16="http://schemas.microsoft.com/office/drawing/2014/main" id="{01C52038-CFAB-86FA-3D41-1F219CE04A7A}"/>
+              </a:ext>
+            </a:extLst>
+          </p:cNvPr>
+          <p:cNvSpPr>
+            <a:spLocks noGrp="1"/>
+          </p:cNvSpPr>
+          <p:nvPr>
+            <p:ph idx="1"/>
+          </p:nvPr>
+        </p:nvSpPr>
+        <p:spPr>
+          <a:xfrm>
+            <a:off x="801288" y="2258291"/>
+            <a:ext cx="10554574" cy="1660871"/>
+          </a:xfrm>
+        </p:spPr>
+        <p:txBody>
+          <a:bodyPr/>
+          <a:lstStyle/>
+          <a:p>
+            <a:pPr marL="0" indent="0">
+              <a:buNone/>
+            </a:pPr>
+            <a:r>
+              <a:rPr lang="en-US" dirty="0"/>
+              <a:t>round(5.1) =&gt; 5</a:t>
+            </a:r>
+          </a:p>
+          <a:p>
+            <a:pPr marL="0" indent="0">
+              <a:buNone/>
+            </a:pPr>
+            <a:r>
+              <a:rPr lang="en-US" dirty="0"/>
+              <a:t>round(5.5) =&gt; 6</a:t>
+            </a:r>
+          </a:p>
+          <a:p>
+            <a:pPr marL="0" indent="0">
+              <a:buNone/>
+            </a:pPr>
+            <a:r>
+              <a:rPr lang="en-US" dirty="0"/>
+              <a:t>round(5.551, 1) =&gt; 5.6</a:t>
+            </a:r>
+          </a:p>
+        </p:txBody>
+      </p:sp>
+      <p:sp>
+        <p:nvSpPr>
+          <p:cNvPr id="4" name="Content Placeholder 2">
+            <a:extLst>
+              <a:ext uri="{FF2B5EF4-FFF2-40B4-BE49-F238E27FC236}">
+                <a16:creationId xmlns:a16="http://schemas.microsoft.com/office/drawing/2014/main" id="{52BFF8FF-EE25-12F5-8B1A-64D182CAD0E3}"/>
+              </a:ext>
+            </a:extLst>
+          </p:cNvPr>
+          <p:cNvSpPr txBox="1">
+            <a:spLocks/>
+          </p:cNvSpPr>
+          <p:nvPr/>
+        </p:nvSpPr>
+        <p:spPr>
+          <a:xfrm>
+            <a:off x="801288" y="4391891"/>
+            <a:ext cx="10554574" cy="1660871"/>
+          </a:xfrm>
+          <a:prstGeom prst="rect">
+            <a:avLst/>
+          </a:prstGeom>
+          <a:effectLst>
+            <a:outerShdw blurRad="50800" dir="14400000">
+              <a:srgbClr val="000000">
+                <a:alpha val="40000"/>
+              </a:srgbClr>
+            </a:outerShdw>
+          </a:effectLst>
+        </p:spPr>
+        <p:txBody>
+          <a:bodyPr vert="horz" lIns="91440" tIns="45720" rIns="91440" bIns="45720" rtlCol="0" anchor="ctr">
+            <a:normAutofit/>
+          </a:bodyPr>
+          <a:lstStyle>
+            <a:lvl1pPr marL="342900" indent="-342900" algn="l" defTabSz="457200" rtl="0" eaLnBrk="1" latinLnBrk="0" hangingPunct="1">
+              <a:spcBef>
+                <a:spcPct val="20000"/>
+              </a:spcBef>
+              <a:spcAft>
+                <a:spcPts val="600"/>
+              </a:spcAft>
+              <a:buClr>
+                <a:schemeClr val="accent1"/>
+              </a:buClr>
+              <a:buFont typeface="Wingdings 2" charset="2"/>
+              <a:buChar char=""/>
+              <a:defRPr sz="2400" kern="1200">
+                <a:solidFill>
+                  <a:schemeClr val="tx1"/>
+                </a:solidFill>
+                <a:latin typeface="Source Sans Pro" panose="020B0503030403020204" pitchFamily="34" charset="0"/>
+                <a:ea typeface="Source Sans Pro" panose="020B0503030403020204" pitchFamily="34" charset="0"/>
+                <a:cs typeface="+mn-cs"/>
+              </a:defRPr>
+            </a:lvl1pPr>
+            <a:lvl2pPr marL="742950" indent="-285750" algn="l" defTabSz="457200" rtl="0" eaLnBrk="1" latinLnBrk="0" hangingPunct="1">
+              <a:spcBef>
+                <a:spcPct val="20000"/>
+              </a:spcBef>
+              <a:spcAft>
+                <a:spcPts val="600"/>
+              </a:spcAft>
+              <a:buClr>
+                <a:schemeClr val="accent1"/>
+              </a:buClr>
+              <a:buFont typeface="Wingdings 2" charset="2"/>
+              <a:buChar char=""/>
+              <a:defRPr sz="2000" kern="1200">
+                <a:solidFill>
+                  <a:schemeClr val="tx1"/>
+                </a:solidFill>
+                <a:latin typeface="Source Sans Pro" panose="020B0503030403020204" pitchFamily="34" charset="0"/>
+                <a:ea typeface="Source Sans Pro" panose="020B0503030403020204" pitchFamily="34" charset="0"/>
+                <a:cs typeface="+mn-cs"/>
+              </a:defRPr>
+            </a:lvl2pPr>
+            <a:lvl3pPr marL="1143000" indent="-228600" algn="l" defTabSz="457200" rtl="0" eaLnBrk="1" latinLnBrk="0" hangingPunct="1">
+              <a:spcBef>
+                <a:spcPct val="20000"/>
+              </a:spcBef>
+              <a:spcAft>
+                <a:spcPts val="600"/>
+              </a:spcAft>
+              <a:buClr>
+                <a:schemeClr val="accent1"/>
+              </a:buClr>
+              <a:buFont typeface="Wingdings 2" charset="2"/>
+              <a:buChar char=""/>
+              <a:defRPr sz="1800" kern="1200">
+                <a:solidFill>
+                  <a:schemeClr val="tx1"/>
+                </a:solidFill>
+                <a:latin typeface="Source Sans Pro" panose="020B0503030403020204" pitchFamily="34" charset="0"/>
+                <a:ea typeface="Source Sans Pro" panose="020B0503030403020204" pitchFamily="34" charset="0"/>
+                <a:cs typeface="+mn-cs"/>
+              </a:defRPr>
+            </a:lvl3pPr>
+            <a:lvl4pPr marL="1600200" indent="-228600" algn="l" defTabSz="457200" rtl="0" eaLnBrk="1" latinLnBrk="0" hangingPunct="1">
+              <a:spcBef>
+                <a:spcPct val="20000"/>
+              </a:spcBef>
+              <a:spcAft>
+                <a:spcPts val="600"/>
+              </a:spcAft>
+              <a:buClr>
+                <a:schemeClr val="accent1"/>
+              </a:buClr>
+              <a:buFont typeface="Wingdings 2" charset="2"/>
+              <a:buChar char=""/>
+              <a:defRPr sz="1600" kern="1200">
+                <a:solidFill>
+                  <a:schemeClr val="tx1"/>
+                </a:solidFill>
+                <a:latin typeface="Source Sans Pro" panose="020B0503030403020204" pitchFamily="34" charset="0"/>
+                <a:ea typeface="Source Sans Pro" panose="020B0503030403020204" pitchFamily="34" charset="0"/>
+                <a:cs typeface="+mn-cs"/>
+              </a:defRPr>
+            </a:lvl4pPr>
+            <a:lvl5pPr marL="2057400" indent="-228600" algn="l" defTabSz="457200" rtl="0" eaLnBrk="1" latinLnBrk="0" hangingPunct="1">
+              <a:spcBef>
+                <a:spcPct val="20000"/>
+              </a:spcBef>
+              <a:spcAft>
+                <a:spcPts val="600"/>
+              </a:spcAft>
+              <a:buClr>
+                <a:schemeClr val="accent1"/>
+              </a:buClr>
+              <a:buFont typeface="Wingdings 2" charset="2"/>
+              <a:buChar char=""/>
+              <a:defRPr sz="1600" kern="1200">
+                <a:solidFill>
+                  <a:schemeClr val="tx1"/>
+                </a:solidFill>
+                <a:latin typeface="Source Sans Pro" panose="020B0503030403020204" pitchFamily="34" charset="0"/>
+                <a:ea typeface="Source Sans Pro" panose="020B0503030403020204" pitchFamily="34" charset="0"/>
+                <a:cs typeface="+mn-cs"/>
+              </a:defRPr>
+            </a:lvl5pPr>
+            <a:lvl6pPr marL="2400000" indent="-228600" algn="l" defTabSz="457200" rtl="0" eaLnBrk="1" latinLnBrk="0" hangingPunct="1">
+              <a:spcBef>
+                <a:spcPct val="20000"/>
+              </a:spcBef>
+              <a:spcAft>
+                <a:spcPts val="600"/>
+              </a:spcAft>
+              <a:buClr>
+                <a:schemeClr val="accent1"/>
+              </a:buClr>
+              <a:buFont typeface="Wingdings 2" charset="2"/>
+              <a:buChar char=""/>
+              <a:defRPr sz="1200" kern="1200">
+                <a:solidFill>
+                  <a:schemeClr val="tx1"/>
+                </a:solidFill>
+                <a:latin typeface="+mn-lt"/>
+                <a:ea typeface="+mn-ea"/>
+                <a:cs typeface="+mn-cs"/>
+              </a:defRPr>
+            </a:lvl6pPr>
+            <a:lvl7pPr marL="2800000" indent="-228600" algn="l" defTabSz="457200" rtl="0" eaLnBrk="1" latinLnBrk="0" hangingPunct="1">
+              <a:spcBef>
+                <a:spcPct val="20000"/>
+              </a:spcBef>
+              <a:spcAft>
+                <a:spcPts val="600"/>
+              </a:spcAft>
+              <a:buClr>
+                <a:schemeClr val="accent1"/>
+              </a:buClr>
+              <a:buFont typeface="Wingdings 2" charset="2"/>
+              <a:buChar char=""/>
+              <a:defRPr sz="1200" kern="1200">
+                <a:solidFill>
+                  <a:schemeClr val="tx1"/>
+                </a:solidFill>
+                <a:latin typeface="+mn-lt"/>
+                <a:ea typeface="+mn-ea"/>
+                <a:cs typeface="+mn-cs"/>
+              </a:defRPr>
+            </a:lvl7pPr>
+            <a:lvl8pPr marL="3200000" indent="-228600" algn="l" defTabSz="457200" rtl="0" eaLnBrk="1" latinLnBrk="0" hangingPunct="1">
+              <a:spcBef>
+                <a:spcPct val="20000"/>
+              </a:spcBef>
+              <a:spcAft>
+                <a:spcPts val="600"/>
+              </a:spcAft>
+              <a:buClr>
+                <a:schemeClr val="accent1"/>
+              </a:buClr>
+              <a:buFont typeface="Wingdings 2" charset="2"/>
+              <a:buChar char=""/>
+              <a:defRPr sz="1200" kern="1200">
+                <a:solidFill>
+                  <a:schemeClr val="tx1"/>
+                </a:solidFill>
+                <a:latin typeface="+mn-lt"/>
+                <a:ea typeface="+mn-ea"/>
+                <a:cs typeface="+mn-cs"/>
+              </a:defRPr>
+            </a:lvl8pPr>
+            <a:lvl9pPr marL="3600000" indent="-228600" algn="l" defTabSz="457200" rtl="0" eaLnBrk="1" latinLnBrk="0" hangingPunct="1">
+              <a:spcBef>
+                <a:spcPct val="20000"/>
+              </a:spcBef>
+              <a:spcAft>
+                <a:spcPts val="600"/>
+              </a:spcAft>
+              <a:buClr>
+                <a:schemeClr val="accent1"/>
+              </a:buClr>
+              <a:buFont typeface="Wingdings 2" charset="2"/>
+              <a:buChar char=""/>
+              <a:defRPr sz="1200" kern="1200">
+                <a:solidFill>
+                  <a:schemeClr val="tx1"/>
+                </a:solidFill>
+                <a:latin typeface="+mn-lt"/>
+                <a:ea typeface="+mn-ea"/>
+                <a:cs typeface="+mn-cs"/>
+              </a:defRPr>
+            </a:lvl9pPr>
+          </a:lstStyle>
+          <a:p>
+            <a:pPr marL="0" indent="0">
+              <a:buFont typeface="Wingdings 2" charset="2"/>
+              <a:buNone/>
+            </a:pPr>
+            <a:r>
+              <a:rPr lang="en-US" dirty="0"/>
+              <a:t>import random</a:t>
+            </a:r>
+          </a:p>
+          <a:p>
+            <a:pPr marL="0" indent="0">
+              <a:buFont typeface="Wingdings 2" charset="2"/>
+              <a:buNone/>
+            </a:pPr>
+            <a:r>
+              <a:rPr lang="en-US" dirty="0" err="1"/>
+              <a:t>random.randint</a:t>
+            </a:r>
+            <a:r>
+              <a:rPr lang="en-US" dirty="0"/>
+              <a:t>(1, 10)</a:t>
+            </a:r>
+          </a:p>
+        </p:txBody>
+      </p:sp>
+    </p:spTree>
+    <p:extLst>
+      <p:ext uri="{BB962C8B-B14F-4D97-AF65-F5344CB8AC3E}">
+        <p14:creationId xmlns:p14="http://schemas.microsoft.com/office/powerpoint/2010/main" val="1452097970"/>
+      </p:ext>
+    </p:extLst>
+  </p:cSld>
+  <p:clrMapOvr>
+    <a:masterClrMapping/>
+  </p:clrMapOvr>
+</p:sld>
+</file>
+
 <file path=ppt/slides/slide4.xml><?xml version="1.0" encoding="utf-8"?>
 <p:sld xmlns:a="http://schemas.openxmlformats.org/drawingml/2006/main" xmlns:r="http://schemas.openxmlformats.org/officeDocument/2006/relationships" xmlns:p="http://schemas.openxmlformats.org/presentationml/2006/main">
   <p:cSld>
